--- a/Prezentace.pptx
+++ b/Prezentace.pptx
@@ -7,10 +7,11 @@
   <p:sldIdLst>
     <p:sldId id="256" r:id="rId2"/>
     <p:sldId id="257" r:id="rId3"/>
-    <p:sldId id="258" r:id="rId4"/>
-    <p:sldId id="259" r:id="rId5"/>
-    <p:sldId id="260" r:id="rId6"/>
-    <p:sldId id="261" r:id="rId7"/>
+    <p:sldId id="262" r:id="rId4"/>
+    <p:sldId id="263" r:id="rId5"/>
+    <p:sldId id="264" r:id="rId6"/>
+    <p:sldId id="260" r:id="rId7"/>
+    <p:sldId id="261" r:id="rId8"/>
   </p:sldIdLst>
   <p:sldSz cx="12192000" cy="6858000"/>
   <p:notesSz cx="6858000" cy="9144000"/>
@@ -109,6 +110,11 @@
       </a:defRPr>
     </a:lvl9pPr>
   </p:defaultTextStyle>
+  <p:extLst>
+    <p:ext uri="{EFAFB233-063F-42B5-8137-9DF3F51BA10A}">
+      <p15:sldGuideLst xmlns:p15="http://schemas.microsoft.com/office/powerpoint/2012/main"/>
+    </p:ext>
+  </p:extLst>
 </p:presentation>
 </file>
 
@@ -261,7 +267,7 @@
           <a:p>
             <a:fld id="{FE1F239D-980D-4F47-8CBA-2B5AA9510E35}" type="datetimeFigureOut">
               <a:rPr lang="en-GB" smtClean="0"/>
-              <a:t>18/04/2024</a:t>
+              <a:t>22/04/2024</a:t>
             </a:fld>
             <a:endParaRPr lang="en-GB"/>
           </a:p>
@@ -461,7 +467,7 @@
           <a:p>
             <a:fld id="{FE1F239D-980D-4F47-8CBA-2B5AA9510E35}" type="datetimeFigureOut">
               <a:rPr lang="en-GB" smtClean="0"/>
-              <a:t>18/04/2024</a:t>
+              <a:t>22/04/2024</a:t>
             </a:fld>
             <a:endParaRPr lang="en-GB"/>
           </a:p>
@@ -671,7 +677,7 @@
           <a:p>
             <a:fld id="{FE1F239D-980D-4F47-8CBA-2B5AA9510E35}" type="datetimeFigureOut">
               <a:rPr lang="en-GB" smtClean="0"/>
-              <a:t>18/04/2024</a:t>
+              <a:t>22/04/2024</a:t>
             </a:fld>
             <a:endParaRPr lang="en-GB"/>
           </a:p>
@@ -871,7 +877,7 @@
           <a:p>
             <a:fld id="{FE1F239D-980D-4F47-8CBA-2B5AA9510E35}" type="datetimeFigureOut">
               <a:rPr lang="en-GB" smtClean="0"/>
-              <a:t>18/04/2024</a:t>
+              <a:t>22/04/2024</a:t>
             </a:fld>
             <a:endParaRPr lang="en-GB"/>
           </a:p>
@@ -1147,7 +1153,7 @@
           <a:p>
             <a:fld id="{FE1F239D-980D-4F47-8CBA-2B5AA9510E35}" type="datetimeFigureOut">
               <a:rPr lang="en-GB" smtClean="0"/>
-              <a:t>18/04/2024</a:t>
+              <a:t>22/04/2024</a:t>
             </a:fld>
             <a:endParaRPr lang="en-GB"/>
           </a:p>
@@ -1415,7 +1421,7 @@
           <a:p>
             <a:fld id="{FE1F239D-980D-4F47-8CBA-2B5AA9510E35}" type="datetimeFigureOut">
               <a:rPr lang="en-GB" smtClean="0"/>
-              <a:t>18/04/2024</a:t>
+              <a:t>22/04/2024</a:t>
             </a:fld>
             <a:endParaRPr lang="en-GB"/>
           </a:p>
@@ -1830,7 +1836,7 @@
           <a:p>
             <a:fld id="{FE1F239D-980D-4F47-8CBA-2B5AA9510E35}" type="datetimeFigureOut">
               <a:rPr lang="en-GB" smtClean="0"/>
-              <a:t>18/04/2024</a:t>
+              <a:t>22/04/2024</a:t>
             </a:fld>
             <a:endParaRPr lang="en-GB"/>
           </a:p>
@@ -1972,7 +1978,7 @@
           <a:p>
             <a:fld id="{FE1F239D-980D-4F47-8CBA-2B5AA9510E35}" type="datetimeFigureOut">
               <a:rPr lang="en-GB" smtClean="0"/>
-              <a:t>18/04/2024</a:t>
+              <a:t>22/04/2024</a:t>
             </a:fld>
             <a:endParaRPr lang="en-GB"/>
           </a:p>
@@ -2085,7 +2091,7 @@
           <a:p>
             <a:fld id="{FE1F239D-980D-4F47-8CBA-2B5AA9510E35}" type="datetimeFigureOut">
               <a:rPr lang="en-GB" smtClean="0"/>
-              <a:t>18/04/2024</a:t>
+              <a:t>22/04/2024</a:t>
             </a:fld>
             <a:endParaRPr lang="en-GB"/>
           </a:p>
@@ -2398,7 +2404,7 @@
           <a:p>
             <a:fld id="{FE1F239D-980D-4F47-8CBA-2B5AA9510E35}" type="datetimeFigureOut">
               <a:rPr lang="en-GB" smtClean="0"/>
-              <a:t>18/04/2024</a:t>
+              <a:t>22/04/2024</a:t>
             </a:fld>
             <a:endParaRPr lang="en-GB"/>
           </a:p>
@@ -2687,7 +2693,7 @@
           <a:p>
             <a:fld id="{FE1F239D-980D-4F47-8CBA-2B5AA9510E35}" type="datetimeFigureOut">
               <a:rPr lang="en-GB" smtClean="0"/>
-              <a:t>18/04/2024</a:t>
+              <a:t>22/04/2024</a:t>
             </a:fld>
             <a:endParaRPr lang="en-GB"/>
           </a:p>
@@ -2930,7 +2936,7 @@
           <a:p>
             <a:fld id="{FE1F239D-980D-4F47-8CBA-2B5AA9510E35}" type="datetimeFigureOut">
               <a:rPr lang="en-GB" smtClean="0"/>
-              <a:t>18/04/2024</a:t>
+              <a:t>22/04/2024</a:t>
             </a:fld>
             <a:endParaRPr lang="en-GB"/>
           </a:p>
@@ -3681,7 +3687,7 @@
           <p:cNvPr id="5" name="TextBox 4">
             <a:extLst>
               <a:ext uri="{FF2B5EF4-FFF2-40B4-BE49-F238E27FC236}">
-                <a16:creationId xmlns:a16="http://schemas.microsoft.com/office/drawing/2014/main" id="{7BC79830-9C5D-A25E-20CE-E304D1FD313F}"/>
+                <a16:creationId xmlns:a16="http://schemas.microsoft.com/office/drawing/2014/main" id="{C1311B8C-DFE8-A784-9263-F2B1D044D498}"/>
               </a:ext>
             </a:extLst>
           </p:cNvPr>
@@ -3690,8 +3696,8 @@
         </p:nvSpPr>
         <p:spPr>
           <a:xfrm>
-            <a:off x="228601" y="810235"/>
-            <a:ext cx="6094428" cy="1754326"/>
+            <a:off x="633167" y="1055358"/>
+            <a:ext cx="10925666" cy="4524315"/>
           </a:xfrm>
           <a:prstGeom prst="rect">
             <a:avLst/>
@@ -3705,43 +3711,652 @@
           <a:lstStyle/>
           <a:p>
             <a:r>
-              <a:rPr lang="cs-CZ" sz="3600" b="1" dirty="0"/>
-              <a:t>Správa</a:t>
-            </a:r>
-            <a:r>
-              <a:rPr lang="en-GB" sz="3600" b="1" dirty="0"/>
-              <a:t> </a:t>
-            </a:r>
-            <a:r>
-              <a:rPr lang="en-GB" sz="3600" b="1" dirty="0" err="1"/>
+              <a:rPr lang="en-GB" u="sng" dirty="0" err="1"/>
+              <a:t>Přidání</a:t>
+            </a:r>
+            <a:r>
+              <a:rPr lang="en-GB" u="sng" dirty="0"/>
+              <a:t> </a:t>
+            </a:r>
+            <a:r>
+              <a:rPr lang="en-GB" u="sng" dirty="0" err="1"/>
+              <a:t>nové</a:t>
+            </a:r>
+            <a:r>
+              <a:rPr lang="en-GB" u="sng" dirty="0"/>
+              <a:t> </a:t>
+            </a:r>
+            <a:r>
+              <a:rPr lang="en-GB" u="sng" dirty="0" err="1"/>
+              <a:t>knihy</a:t>
+            </a:r>
+            <a:r>
+              <a:rPr lang="en-GB" u="sng" dirty="0"/>
+              <a:t>: </a:t>
+            </a:r>
+            <a:endParaRPr lang="cs-CZ" u="sng" dirty="0"/>
+          </a:p>
+          <a:p>
+            <a:r>
+              <a:rPr lang="en-GB" dirty="0"/>
+              <a:t>Tato </a:t>
+            </a:r>
+            <a:r>
+              <a:rPr lang="en-GB" dirty="0" err="1"/>
+              <a:t>funkce</a:t>
+            </a:r>
+            <a:r>
+              <a:rPr lang="en-GB" dirty="0"/>
+              <a:t> je </a:t>
+            </a:r>
+            <a:r>
+              <a:rPr lang="en-GB" dirty="0" err="1"/>
+              <a:t>implementována</a:t>
+            </a:r>
+            <a:r>
+              <a:rPr lang="en-GB" dirty="0"/>
+              <a:t> v </a:t>
+            </a:r>
+            <a:r>
+              <a:rPr lang="en-GB" dirty="0" err="1"/>
+              <a:t>AddBook.addNewBook</a:t>
+            </a:r>
+            <a:r>
+              <a:rPr lang="en-GB" dirty="0"/>
+              <a:t>() </a:t>
+            </a:r>
+            <a:r>
+              <a:rPr lang="en-GB" dirty="0" err="1"/>
+              <a:t>metod</a:t>
+            </a:r>
+            <a:r>
+              <a:rPr lang="cs-CZ" dirty="0"/>
+              <a:t>ě</a:t>
+            </a:r>
+            <a:r>
+              <a:rPr lang="en-GB" dirty="0"/>
+              <a:t>. </a:t>
+            </a:r>
+            <a:endParaRPr lang="cs-CZ" dirty="0"/>
+          </a:p>
+          <a:p>
+            <a:r>
+              <a:rPr lang="en-GB" dirty="0"/>
+              <a:t>Tato </a:t>
+            </a:r>
+            <a:r>
+              <a:rPr lang="en-GB" dirty="0" err="1"/>
+              <a:t>metoda</a:t>
+            </a:r>
+            <a:r>
+              <a:rPr lang="en-GB" dirty="0"/>
+              <a:t> </a:t>
+            </a:r>
+            <a:r>
+              <a:rPr lang="en-GB" dirty="0" err="1"/>
+              <a:t>vkládá</a:t>
+            </a:r>
+            <a:r>
+              <a:rPr lang="en-GB" dirty="0"/>
+              <a:t> </a:t>
+            </a:r>
+            <a:r>
+              <a:rPr lang="en-GB" dirty="0" err="1"/>
+              <a:t>novou</a:t>
+            </a:r>
+            <a:r>
+              <a:rPr lang="en-GB" dirty="0"/>
+              <a:t> </a:t>
+            </a:r>
+            <a:r>
+              <a:rPr lang="en-GB" dirty="0" err="1"/>
+              <a:t>knihu</a:t>
+            </a:r>
+            <a:r>
+              <a:rPr lang="en-GB" dirty="0"/>
+              <a:t> do </a:t>
+            </a:r>
+            <a:r>
+              <a:rPr lang="en-GB" dirty="0" err="1"/>
+              <a:t>databáze</a:t>
+            </a:r>
+            <a:r>
+              <a:rPr lang="en-GB" dirty="0"/>
+              <a:t> a </a:t>
+            </a:r>
+            <a:r>
+              <a:rPr lang="en-GB" dirty="0" err="1"/>
+              <a:t>také</a:t>
+            </a:r>
+            <a:r>
+              <a:rPr lang="en-GB" dirty="0"/>
+              <a:t> </a:t>
+            </a:r>
+            <a:r>
+              <a:rPr lang="en-GB" dirty="0" err="1"/>
+              <a:t>vkládá</a:t>
+            </a:r>
+            <a:r>
+              <a:rPr lang="en-GB" dirty="0"/>
+              <a:t> </a:t>
+            </a:r>
+            <a:r>
+              <a:rPr lang="en-GB" dirty="0" err="1"/>
+              <a:t>záznamy</a:t>
+            </a:r>
+            <a:r>
+              <a:rPr lang="en-GB" dirty="0"/>
+              <a:t> do </a:t>
+            </a:r>
+            <a:r>
+              <a:rPr lang="en-GB" dirty="0" err="1"/>
+              <a:t>spojovací</a:t>
+            </a:r>
+            <a:r>
+              <a:rPr lang="en-GB" dirty="0"/>
+              <a:t> </a:t>
+            </a:r>
+            <a:r>
+              <a:rPr lang="en-GB" dirty="0" err="1"/>
+              <a:t>tabulky</a:t>
+            </a:r>
+            <a:r>
+              <a:rPr lang="en-GB" dirty="0"/>
+              <a:t> </a:t>
+            </a:r>
+            <a:r>
+              <a:rPr lang="en-GB" dirty="0" err="1"/>
+              <a:t>kniha_autor</a:t>
+            </a:r>
+            <a:r>
+              <a:rPr lang="en-GB" dirty="0"/>
+              <a:t>. </a:t>
+            </a:r>
+            <a:endParaRPr lang="cs-CZ" dirty="0"/>
+          </a:p>
+          <a:p>
+            <a:endParaRPr lang="cs-CZ" dirty="0"/>
+          </a:p>
+          <a:p>
+            <a:r>
+              <a:rPr lang="en-GB" u="sng" dirty="0" err="1"/>
+              <a:t>Přidání</a:t>
+            </a:r>
+            <a:r>
+              <a:rPr lang="en-GB" u="sng" dirty="0"/>
+              <a:t> </a:t>
+            </a:r>
+            <a:r>
+              <a:rPr lang="en-GB" u="sng" dirty="0" err="1"/>
+              <a:t>nového</a:t>
+            </a:r>
+            <a:r>
+              <a:rPr lang="en-GB" u="sng" dirty="0"/>
+              <a:t> </a:t>
+            </a:r>
+            <a:r>
+              <a:rPr lang="en-GB" u="sng" dirty="0" err="1"/>
+              <a:t>autora</a:t>
+            </a:r>
+            <a:r>
+              <a:rPr lang="en-GB" dirty="0"/>
+              <a:t>: </a:t>
+            </a:r>
+            <a:endParaRPr lang="cs-CZ" dirty="0"/>
+          </a:p>
+          <a:p>
+            <a:r>
+              <a:rPr lang="en-GB" dirty="0"/>
+              <a:t>Tato </a:t>
+            </a:r>
+            <a:r>
+              <a:rPr lang="en-GB" dirty="0" err="1"/>
+              <a:t>funkce</a:t>
+            </a:r>
+            <a:r>
+              <a:rPr lang="en-GB" dirty="0"/>
+              <a:t> je </a:t>
+            </a:r>
+            <a:r>
+              <a:rPr lang="en-GB" dirty="0" err="1"/>
+              <a:t>implementována</a:t>
+            </a:r>
+            <a:r>
+              <a:rPr lang="en-GB" dirty="0"/>
+              <a:t> v </a:t>
+            </a:r>
+            <a:r>
+              <a:rPr lang="en-GB" dirty="0" err="1"/>
+              <a:t>Author.createNewAuthor</a:t>
+            </a:r>
+            <a:r>
+              <a:rPr lang="en-GB" dirty="0"/>
+              <a:t>() </a:t>
+            </a:r>
+            <a:r>
+              <a:rPr lang="en-GB" dirty="0" err="1"/>
+              <a:t>metod</a:t>
+            </a:r>
+            <a:r>
+              <a:rPr lang="cs-CZ" dirty="0"/>
+              <a:t>ě</a:t>
+            </a:r>
+            <a:r>
+              <a:rPr lang="en-GB" dirty="0"/>
+              <a:t>. </a:t>
+            </a:r>
+            <a:endParaRPr lang="cs-CZ" dirty="0"/>
+          </a:p>
+          <a:p>
+            <a:r>
+              <a:rPr lang="en-GB" dirty="0"/>
+              <a:t>Tato </a:t>
+            </a:r>
+            <a:r>
+              <a:rPr lang="en-GB" dirty="0" err="1"/>
+              <a:t>metoda</a:t>
+            </a:r>
+            <a:r>
+              <a:rPr lang="en-GB" dirty="0"/>
+              <a:t> </a:t>
+            </a:r>
+            <a:r>
+              <a:rPr lang="en-GB" dirty="0" err="1"/>
+              <a:t>nejprve</a:t>
+            </a:r>
+            <a:r>
+              <a:rPr lang="en-GB" dirty="0"/>
+              <a:t> </a:t>
+            </a:r>
+            <a:r>
+              <a:rPr lang="en-GB" dirty="0" err="1"/>
+              <a:t>zkontroluje</a:t>
+            </a:r>
+            <a:r>
+              <a:rPr lang="en-GB" dirty="0"/>
+              <a:t>, </a:t>
+            </a:r>
+            <a:r>
+              <a:rPr lang="en-GB" dirty="0" err="1"/>
+              <a:t>zda</a:t>
+            </a:r>
+            <a:r>
+              <a:rPr lang="en-GB" dirty="0"/>
+              <a:t> </a:t>
+            </a:r>
+            <a:r>
+              <a:rPr lang="en-GB" dirty="0" err="1"/>
+              <a:t>autor</a:t>
+            </a:r>
+            <a:r>
+              <a:rPr lang="en-GB" dirty="0"/>
+              <a:t> s </a:t>
+            </a:r>
+            <a:r>
+              <a:rPr lang="en-GB" dirty="0" err="1"/>
+              <a:t>daným</a:t>
+            </a:r>
+            <a:r>
+              <a:rPr lang="en-GB" dirty="0"/>
+              <a:t> </a:t>
+            </a:r>
+            <a:r>
+              <a:rPr lang="en-GB" dirty="0" err="1"/>
+              <a:t>jménem</a:t>
+            </a:r>
+            <a:r>
+              <a:rPr lang="en-GB" dirty="0"/>
+              <a:t> a </a:t>
+            </a:r>
+            <a:r>
+              <a:rPr lang="en-GB" dirty="0" err="1"/>
+              <a:t>národností</a:t>
+            </a:r>
+            <a:r>
+              <a:rPr lang="en-GB" dirty="0"/>
+              <a:t> </a:t>
+            </a:r>
+            <a:r>
+              <a:rPr lang="en-GB" dirty="0" err="1"/>
+              <a:t>již</a:t>
+            </a:r>
+            <a:r>
+              <a:rPr lang="en-GB" dirty="0"/>
+              <a:t> </a:t>
+            </a:r>
+            <a:r>
+              <a:rPr lang="en-GB" dirty="0" err="1"/>
+              <a:t>existuje</a:t>
+            </a:r>
+            <a:r>
+              <a:rPr lang="en-GB" dirty="0"/>
+              <a:t>, a </a:t>
+            </a:r>
+            <a:r>
+              <a:rPr lang="en-GB" dirty="0" err="1"/>
+              <a:t>pokud</a:t>
+            </a:r>
+            <a:r>
+              <a:rPr lang="en-GB" dirty="0"/>
+              <a:t> ne, </a:t>
+            </a:r>
+            <a:r>
+              <a:rPr lang="en-GB" dirty="0" err="1"/>
+              <a:t>vloží</a:t>
+            </a:r>
+            <a:r>
+              <a:rPr lang="en-GB" dirty="0"/>
+              <a:t> </a:t>
+            </a:r>
+            <a:r>
+              <a:rPr lang="en-GB" dirty="0" err="1"/>
+              <a:t>nového</a:t>
+            </a:r>
+            <a:r>
+              <a:rPr lang="en-GB" dirty="0"/>
+              <a:t> </a:t>
+            </a:r>
+            <a:r>
+              <a:rPr lang="en-GB" dirty="0" err="1"/>
+              <a:t>autora</a:t>
+            </a:r>
+            <a:r>
+              <a:rPr lang="en-GB" dirty="0"/>
+              <a:t> do </a:t>
+            </a:r>
+            <a:r>
+              <a:rPr lang="en-GB" dirty="0" err="1"/>
+              <a:t>databáze</a:t>
+            </a:r>
+            <a:r>
+              <a:rPr lang="en-GB" dirty="0"/>
+              <a:t>. </a:t>
+            </a:r>
+            <a:endParaRPr lang="cs-CZ" dirty="0"/>
+          </a:p>
+          <a:p>
+            <a:endParaRPr lang="cs-CZ" dirty="0"/>
+          </a:p>
+          <a:p>
+            <a:r>
+              <a:rPr lang="en-GB" u="sng" dirty="0" err="1"/>
+              <a:t>Aktualizace</a:t>
+            </a:r>
+            <a:r>
+              <a:rPr lang="en-GB" u="sng" dirty="0"/>
+              <a:t> </a:t>
+            </a:r>
+            <a:r>
+              <a:rPr lang="en-GB" u="sng" dirty="0" err="1"/>
+              <a:t>detailů</a:t>
+            </a:r>
+            <a:r>
+              <a:rPr lang="en-GB" u="sng" dirty="0"/>
+              <a:t> </a:t>
+            </a:r>
+            <a:r>
+              <a:rPr lang="en-GB" u="sng" dirty="0" err="1"/>
+              <a:t>knihy</a:t>
+            </a:r>
+            <a:r>
+              <a:rPr lang="en-GB" dirty="0"/>
+              <a:t>: </a:t>
+            </a:r>
+            <a:endParaRPr lang="cs-CZ" dirty="0"/>
+          </a:p>
+          <a:p>
+            <a:r>
+              <a:rPr lang="en-GB" dirty="0"/>
+              <a:t>Tato </a:t>
+            </a:r>
+            <a:r>
+              <a:rPr lang="en-GB" dirty="0" err="1"/>
+              <a:t>funkce</a:t>
+            </a:r>
+            <a:r>
+              <a:rPr lang="en-GB" dirty="0"/>
+              <a:t> je </a:t>
+            </a:r>
+            <a:r>
+              <a:rPr lang="en-GB" dirty="0" err="1"/>
+              <a:t>implementována</a:t>
+            </a:r>
+            <a:r>
+              <a:rPr lang="en-GB" dirty="0"/>
+              <a:t> v </a:t>
+            </a:r>
+            <a:r>
+              <a:rPr lang="en-GB" dirty="0" err="1"/>
+              <a:t>BookDetailForm.btn_BookDetail_update_Click</a:t>
+            </a:r>
+            <a:r>
+              <a:rPr lang="en-GB" dirty="0"/>
+              <a:t>() </a:t>
+            </a:r>
+            <a:r>
+              <a:rPr lang="en-GB" dirty="0" err="1"/>
+              <a:t>metode</a:t>
+            </a:r>
+            <a:r>
+              <a:rPr lang="en-GB" dirty="0"/>
+              <a:t>. Tato </a:t>
+            </a:r>
+            <a:r>
+              <a:rPr lang="en-GB" dirty="0" err="1"/>
+              <a:t>metoda</a:t>
+            </a:r>
+            <a:r>
+              <a:rPr lang="en-GB" dirty="0"/>
+              <a:t> </a:t>
+            </a:r>
+            <a:r>
+              <a:rPr lang="en-GB" dirty="0" err="1"/>
+              <a:t>aktualizuje</a:t>
+            </a:r>
+            <a:r>
+              <a:rPr lang="en-GB" dirty="0"/>
+              <a:t> </a:t>
+            </a:r>
+            <a:r>
+              <a:rPr lang="en-GB" dirty="0" err="1"/>
+              <a:t>detaily</a:t>
+            </a:r>
+            <a:r>
+              <a:rPr lang="en-GB" dirty="0"/>
+              <a:t> </a:t>
+            </a:r>
+            <a:r>
+              <a:rPr lang="en-GB" dirty="0" err="1"/>
+              <a:t>knihy</a:t>
+            </a:r>
+            <a:r>
+              <a:rPr lang="en-GB" dirty="0"/>
+              <a:t> v </a:t>
+            </a:r>
+            <a:r>
+              <a:rPr lang="en-GB" dirty="0" err="1"/>
+              <a:t>databázi</a:t>
+            </a:r>
+            <a:r>
+              <a:rPr lang="en-GB" dirty="0"/>
+              <a:t> a </a:t>
+            </a:r>
+            <a:r>
+              <a:rPr lang="en-GB" dirty="0" err="1"/>
+              <a:t>také</a:t>
+            </a:r>
+            <a:r>
+              <a:rPr lang="en-GB" dirty="0"/>
+              <a:t> </a:t>
+            </a:r>
+            <a:r>
+              <a:rPr lang="en-GB" dirty="0" err="1"/>
+              <a:t>aktualizuje</a:t>
+            </a:r>
+            <a:r>
+              <a:rPr lang="en-GB" dirty="0"/>
+              <a:t> </a:t>
+            </a:r>
+            <a:r>
+              <a:rPr lang="en-GB" dirty="0" err="1"/>
+              <a:t>autory</a:t>
+            </a:r>
+            <a:r>
+              <a:rPr lang="en-GB" dirty="0"/>
+              <a:t> </a:t>
+            </a:r>
+            <a:r>
+              <a:rPr lang="en-GB" dirty="0" err="1"/>
+              <a:t>knihy</a:t>
+            </a:r>
+            <a:r>
+              <a:rPr lang="en-GB" dirty="0"/>
+              <a:t> v </a:t>
+            </a:r>
+            <a:r>
+              <a:rPr lang="en-GB" dirty="0" err="1"/>
+              <a:t>spojovací</a:t>
+            </a:r>
+            <a:r>
+              <a:rPr lang="en-GB" dirty="0"/>
+              <a:t> </a:t>
+            </a:r>
+            <a:r>
+              <a:rPr lang="en-GB" dirty="0" err="1"/>
+              <a:t>tabulce</a:t>
+            </a:r>
+            <a:r>
+              <a:rPr lang="en-GB" dirty="0"/>
+              <a:t> </a:t>
+            </a:r>
+            <a:r>
+              <a:rPr lang="en-GB" dirty="0" err="1"/>
+              <a:t>kniha_autor</a:t>
+            </a:r>
+            <a:r>
+              <a:rPr lang="en-GB" dirty="0"/>
+              <a:t>.</a:t>
+            </a:r>
+            <a:endParaRPr lang="cs-CZ" dirty="0"/>
+          </a:p>
+          <a:p>
+            <a:endParaRPr lang="cs-CZ" dirty="0"/>
+          </a:p>
+          <a:p>
+            <a:r>
+              <a:rPr lang="en-GB" u="sng" dirty="0" err="1"/>
+              <a:t>Získání</a:t>
+            </a:r>
+            <a:r>
+              <a:rPr lang="en-GB" u="sng" dirty="0"/>
+              <a:t> </a:t>
+            </a:r>
+            <a:r>
+              <a:rPr lang="en-GB" u="sng" dirty="0" err="1"/>
+              <a:t>množství</a:t>
+            </a:r>
+            <a:r>
+              <a:rPr lang="en-GB" u="sng" dirty="0"/>
+              <a:t> </a:t>
+            </a:r>
+            <a:r>
+              <a:rPr lang="en-GB" u="sng" dirty="0" err="1"/>
               <a:t>knih</a:t>
             </a:r>
             <a:r>
-              <a:rPr lang="en-GB" sz="3600" b="1" dirty="0"/>
+              <a:rPr lang="en-GB" dirty="0"/>
               <a:t>: </a:t>
             </a:r>
-            <a:endParaRPr lang="cs-CZ" sz="3600" b="1" dirty="0"/>
-          </a:p>
-          <a:p>
-            <a:pPr marL="285750" indent="-285750">
-              <a:buFont typeface="Arial" panose="020B0604020202020204" pitchFamily="34" charset="0"/>
-              <a:buChar char="•"/>
-            </a:pPr>
-            <a:r>
-              <a:rPr lang="en-GB" dirty="0" err="1"/>
-              <a:t>Zobrazení</a:t>
-            </a:r>
-            <a:r>
-              <a:rPr lang="en-GB" dirty="0"/>
-              <a:t> </a:t>
-            </a:r>
-            <a:r>
-              <a:rPr lang="en-GB" dirty="0" err="1"/>
-              <a:t>detailů</a:t>
-            </a:r>
-            <a:r>
-              <a:rPr lang="en-GB" dirty="0"/>
-              <a:t> </a:t>
+            <a:endParaRPr lang="cs-CZ" dirty="0"/>
+          </a:p>
+          <a:p>
+            <a:r>
+              <a:rPr lang="en-GB" dirty="0"/>
+              <a:t>Tato </a:t>
+            </a:r>
+            <a:r>
+              <a:rPr lang="en-GB" dirty="0" err="1"/>
+              <a:t>funkce</a:t>
+            </a:r>
+            <a:r>
+              <a:rPr lang="en-GB" dirty="0"/>
+              <a:t> je </a:t>
+            </a:r>
+            <a:r>
+              <a:rPr lang="en-GB" dirty="0" err="1"/>
+              <a:t>implementována</a:t>
+            </a:r>
+            <a:r>
+              <a:rPr lang="en-GB" dirty="0"/>
+              <a:t> v </a:t>
+            </a:r>
+            <a:r>
+              <a:rPr lang="en-GB" dirty="0" err="1"/>
+              <a:t>Books.GetBookQuantity</a:t>
+            </a:r>
+            <a:r>
+              <a:rPr lang="en-GB" dirty="0"/>
+              <a:t>() </a:t>
+            </a:r>
+            <a:r>
+              <a:rPr lang="en-GB" dirty="0" err="1"/>
+              <a:t>metod</a:t>
+            </a:r>
+            <a:r>
+              <a:rPr lang="cs-CZ" dirty="0"/>
+              <a:t>ě</a:t>
+            </a:r>
+            <a:r>
+              <a:rPr lang="en-GB" dirty="0"/>
+              <a:t>. Tato </a:t>
+            </a:r>
+            <a:r>
+              <a:rPr lang="en-GB" dirty="0" err="1"/>
+              <a:t>metoda</a:t>
+            </a:r>
+            <a:r>
+              <a:rPr lang="en-GB" dirty="0"/>
+              <a:t> </a:t>
+            </a:r>
+            <a:r>
+              <a:rPr lang="en-GB" dirty="0" err="1"/>
+              <a:t>vrací</a:t>
+            </a:r>
+            <a:r>
+              <a:rPr lang="en-GB" dirty="0"/>
+              <a:t> </a:t>
+            </a:r>
+            <a:r>
+              <a:rPr lang="en-GB" dirty="0" err="1"/>
+              <a:t>množství</a:t>
+            </a:r>
+            <a:r>
+              <a:rPr lang="en-GB" dirty="0"/>
+              <a:t> </a:t>
+            </a:r>
+            <a:r>
+              <a:rPr lang="en-GB" dirty="0" err="1"/>
+              <a:t>knih</a:t>
+            </a:r>
+            <a:r>
+              <a:rPr lang="en-GB" dirty="0"/>
+              <a:t> v </a:t>
+            </a:r>
+            <a:r>
+              <a:rPr lang="en-GB" dirty="0" err="1"/>
+              <a:t>databázi</a:t>
+            </a:r>
+            <a:r>
+              <a:rPr lang="en-GB" dirty="0"/>
+              <a:t> pro </a:t>
+            </a:r>
+            <a:r>
+              <a:rPr lang="en-GB" dirty="0" err="1"/>
+              <a:t>dané</a:t>
+            </a:r>
+            <a:r>
+              <a:rPr lang="en-GB" dirty="0"/>
+              <a:t> ID </a:t>
             </a:r>
             <a:r>
               <a:rPr lang="en-GB" dirty="0" err="1"/>
@@ -3749,506 +4364,7 @@
             </a:r>
             <a:r>
               <a:rPr lang="en-GB" dirty="0"/>
-              <a:t> (</a:t>
-            </a:r>
-            <a:r>
-              <a:rPr lang="en-GB" dirty="0" err="1"/>
-              <a:t>název</a:t>
-            </a:r>
-            <a:r>
-              <a:rPr lang="en-GB" dirty="0"/>
-              <a:t>, </a:t>
-            </a:r>
-            <a:r>
-              <a:rPr lang="en-GB" dirty="0" err="1"/>
-              <a:t>autor</a:t>
-            </a:r>
-            <a:r>
-              <a:rPr lang="en-GB" dirty="0"/>
-              <a:t>, </a:t>
-            </a:r>
-            <a:r>
-              <a:rPr lang="en-GB" dirty="0" err="1"/>
-              <a:t>žánr</a:t>
-            </a:r>
-            <a:r>
-              <a:rPr lang="en-GB" dirty="0"/>
-              <a:t>, </a:t>
-            </a:r>
-            <a:r>
-              <a:rPr lang="en-GB" dirty="0" err="1"/>
-              <a:t>dostupnost</a:t>
-            </a:r>
-            <a:r>
-              <a:rPr lang="en-GB" dirty="0"/>
-              <a:t>).</a:t>
-            </a:r>
-            <a:endParaRPr lang="cs-CZ" dirty="0"/>
-          </a:p>
-          <a:p>
-            <a:pPr marL="285750" indent="-285750">
-              <a:buFont typeface="Arial" panose="020B0604020202020204" pitchFamily="34" charset="0"/>
-              <a:buChar char="•"/>
-            </a:pPr>
-            <a:r>
-              <a:rPr lang="en-GB" dirty="0" err="1"/>
-              <a:t>Vyhledávání</a:t>
-            </a:r>
-            <a:r>
-              <a:rPr lang="en-GB" dirty="0"/>
-              <a:t> </a:t>
-            </a:r>
-            <a:r>
-              <a:rPr lang="en-GB" dirty="0" err="1"/>
-              <a:t>knih</a:t>
-            </a:r>
-            <a:r>
-              <a:rPr lang="en-GB" dirty="0"/>
-              <a:t> </a:t>
-            </a:r>
-            <a:r>
-              <a:rPr lang="en-GB" dirty="0" err="1"/>
-              <a:t>podle</a:t>
-            </a:r>
-            <a:r>
-              <a:rPr lang="en-GB" dirty="0"/>
-              <a:t> </a:t>
-            </a:r>
-            <a:r>
-              <a:rPr lang="en-GB" dirty="0" err="1"/>
-              <a:t>názvu</a:t>
-            </a:r>
-            <a:r>
-              <a:rPr lang="en-GB" dirty="0"/>
-              <a:t>, </a:t>
-            </a:r>
-            <a:r>
-              <a:rPr lang="en-GB" dirty="0" err="1"/>
-              <a:t>autora</a:t>
-            </a:r>
-            <a:r>
-              <a:rPr lang="en-GB" dirty="0"/>
-              <a:t>, </a:t>
-            </a:r>
-            <a:r>
-              <a:rPr lang="en-GB" dirty="0" err="1"/>
-              <a:t>žánru</a:t>
-            </a:r>
-            <a:r>
-              <a:rPr lang="en-GB" dirty="0"/>
-              <a:t>. </a:t>
-            </a:r>
-            <a:endParaRPr lang="cs-CZ" dirty="0"/>
-          </a:p>
-          <a:p>
-            <a:pPr marL="285750" indent="-285750">
-              <a:buFont typeface="Arial" panose="020B0604020202020204" pitchFamily="34" charset="0"/>
-              <a:buChar char="•"/>
-            </a:pPr>
-            <a:r>
-              <a:rPr lang="en-GB" dirty="0" err="1"/>
-              <a:t>Přidávání</a:t>
-            </a:r>
-            <a:r>
-              <a:rPr lang="en-GB" dirty="0"/>
-              <a:t>, </a:t>
-            </a:r>
-            <a:r>
-              <a:rPr lang="en-GB" dirty="0" err="1"/>
-              <a:t>upravování</a:t>
-            </a:r>
-            <a:r>
-              <a:rPr lang="en-GB" dirty="0"/>
-              <a:t> a </a:t>
-            </a:r>
-            <a:r>
-              <a:rPr lang="en-GB" dirty="0" err="1"/>
-              <a:t>mazání</a:t>
-            </a:r>
-            <a:r>
-              <a:rPr lang="en-GB" dirty="0"/>
-              <a:t> </a:t>
-            </a:r>
-            <a:r>
-              <a:rPr lang="en-GB" dirty="0" err="1"/>
-              <a:t>knih</a:t>
-            </a:r>
-            <a:r>
-              <a:rPr lang="en-GB" dirty="0"/>
-              <a:t> v </a:t>
-            </a:r>
-            <a:r>
-              <a:rPr lang="en-GB" dirty="0" err="1"/>
-              <a:t>databázi</a:t>
-            </a:r>
-            <a:r>
-              <a:rPr lang="en-GB" dirty="0"/>
-              <a:t>. </a:t>
-            </a:r>
-            <a:endParaRPr lang="cs-CZ" dirty="0"/>
-          </a:p>
-          <a:p>
-            <a:pPr marL="285750" indent="-285750">
-              <a:buFont typeface="Arial" panose="020B0604020202020204" pitchFamily="34" charset="0"/>
-              <a:buChar char="•"/>
-            </a:pPr>
-            <a:r>
-              <a:rPr lang="en-GB" dirty="0" err="1"/>
-              <a:t>Přidávání</a:t>
-            </a:r>
-            <a:r>
-              <a:rPr lang="en-GB" dirty="0"/>
-              <a:t> </a:t>
-            </a:r>
-            <a:r>
-              <a:rPr lang="en-GB" dirty="0" err="1"/>
-              <a:t>nových</a:t>
-            </a:r>
-            <a:r>
-              <a:rPr lang="en-GB" dirty="0"/>
-              <a:t> </a:t>
-            </a:r>
-            <a:r>
-              <a:rPr lang="en-GB" dirty="0" err="1"/>
-              <a:t>autorů</a:t>
-            </a:r>
-            <a:r>
-              <a:rPr lang="en-GB" dirty="0"/>
-              <a:t> do </a:t>
-            </a:r>
-            <a:r>
-              <a:rPr lang="en-GB" dirty="0" err="1"/>
-              <a:t>databáze</a:t>
-            </a:r>
-            <a:r>
-              <a:rPr lang="en-GB" dirty="0"/>
               <a:t>.</a:t>
-            </a:r>
-          </a:p>
-        </p:txBody>
-      </p:sp>
-      <p:sp>
-        <p:nvSpPr>
-          <p:cNvPr id="6" name="TextBox 5">
-            <a:extLst>
-              <a:ext uri="{FF2B5EF4-FFF2-40B4-BE49-F238E27FC236}">
-                <a16:creationId xmlns:a16="http://schemas.microsoft.com/office/drawing/2014/main" id="{3BE8A7B5-9256-9AD9-7F64-89E52213AB63}"/>
-              </a:ext>
-            </a:extLst>
-          </p:cNvPr>
-          <p:cNvSpPr txBox="1"/>
-          <p:nvPr/>
-        </p:nvSpPr>
-        <p:spPr>
-          <a:xfrm>
-            <a:off x="228601" y="2903707"/>
-            <a:ext cx="9469195" cy="3077766"/>
-          </a:xfrm>
-          <a:prstGeom prst="rect">
-            <a:avLst/>
-          </a:prstGeom>
-          <a:noFill/>
-        </p:spPr>
-        <p:txBody>
-          <a:bodyPr wrap="none" rtlCol="0">
-            <a:spAutoFit/>
-          </a:bodyPr>
-          <a:lstStyle/>
-          <a:p>
-            <a:r>
-              <a:rPr lang="en-GB" sz="3200" b="1" dirty="0" err="1"/>
-              <a:t>Správa</a:t>
-            </a:r>
-            <a:r>
-              <a:rPr lang="en-GB" sz="3200" b="1" dirty="0"/>
-              <a:t> </a:t>
-            </a:r>
-            <a:r>
-              <a:rPr lang="en-GB" sz="3200" b="1" dirty="0" err="1"/>
-              <a:t>zákazníků</a:t>
-            </a:r>
-            <a:r>
-              <a:rPr lang="en-GB" sz="3200" b="1" dirty="0"/>
-              <a:t>: </a:t>
-            </a:r>
-            <a:endParaRPr lang="cs-CZ" sz="3200" b="1" dirty="0"/>
-          </a:p>
-          <a:p>
-            <a:r>
-              <a:rPr lang="en-GB" b="1" dirty="0" err="1"/>
-              <a:t>Typy</a:t>
-            </a:r>
-            <a:r>
-              <a:rPr lang="en-GB" b="1" dirty="0"/>
-              <a:t> </a:t>
-            </a:r>
-            <a:r>
-              <a:rPr lang="en-GB" b="1" dirty="0" err="1"/>
-              <a:t>zákazníků</a:t>
-            </a:r>
-            <a:r>
-              <a:rPr lang="en-GB" b="1" dirty="0"/>
-              <a:t>: </a:t>
-            </a:r>
-            <a:endParaRPr lang="cs-CZ" b="1" dirty="0"/>
-          </a:p>
-          <a:p>
-            <a:endParaRPr lang="cs-CZ" b="1" dirty="0"/>
-          </a:p>
-          <a:p>
-            <a:pPr marL="285750" indent="-285750">
-              <a:buFont typeface="Wingdings" panose="05000000000000000000" pitchFamily="2" charset="2"/>
-              <a:buChar char="v"/>
-            </a:pPr>
-            <a:r>
-              <a:rPr lang="en-GB" dirty="0" err="1"/>
-              <a:t>Kupující</a:t>
-            </a:r>
-            <a:r>
-              <a:rPr lang="en-GB" dirty="0"/>
-              <a:t>: </a:t>
-            </a:r>
-            <a:endParaRPr lang="cs-CZ" dirty="0"/>
-          </a:p>
-          <a:p>
-            <a:pPr marL="742950" lvl="1" indent="-285750">
-              <a:buFont typeface="Arial" panose="020B0604020202020204" pitchFamily="34" charset="0"/>
-              <a:buChar char="•"/>
-            </a:pPr>
-            <a:r>
-              <a:rPr lang="en-GB" dirty="0" err="1"/>
-              <a:t>Zákazníci</a:t>
-            </a:r>
-            <a:r>
-              <a:rPr lang="en-GB" dirty="0"/>
-              <a:t>, </a:t>
-            </a:r>
-            <a:r>
-              <a:rPr lang="en-GB" dirty="0" err="1"/>
-              <a:t>kteří</a:t>
-            </a:r>
-            <a:r>
-              <a:rPr lang="en-GB" dirty="0"/>
-              <a:t> </a:t>
-            </a:r>
-            <a:r>
-              <a:rPr lang="en-GB" dirty="0" err="1"/>
-              <a:t>si</a:t>
-            </a:r>
-            <a:r>
-              <a:rPr lang="en-GB" dirty="0"/>
-              <a:t> </a:t>
-            </a:r>
-            <a:r>
-              <a:rPr lang="en-GB" dirty="0" err="1"/>
-              <a:t>knihy</a:t>
-            </a:r>
-            <a:r>
-              <a:rPr lang="en-GB" dirty="0"/>
-              <a:t> </a:t>
-            </a:r>
-            <a:r>
-              <a:rPr lang="en-GB" dirty="0" err="1"/>
-              <a:t>kupují</a:t>
-            </a:r>
-            <a:r>
-              <a:rPr lang="en-GB" dirty="0"/>
-              <a:t>. </a:t>
-            </a:r>
-            <a:endParaRPr lang="cs-CZ" dirty="0"/>
-          </a:p>
-          <a:p>
-            <a:pPr marL="742950" lvl="1" indent="-285750">
-              <a:buFont typeface="Arial" panose="020B0604020202020204" pitchFamily="34" charset="0"/>
-              <a:buChar char="•"/>
-            </a:pPr>
-            <a:r>
-              <a:rPr lang="en-GB" dirty="0" err="1"/>
-              <a:t>Neregistrují</a:t>
-            </a:r>
-            <a:r>
-              <a:rPr lang="en-GB" dirty="0"/>
-              <a:t> se v </a:t>
-            </a:r>
-            <a:r>
-              <a:rPr lang="en-GB" dirty="0" err="1"/>
-              <a:t>programu</a:t>
-            </a:r>
-            <a:r>
-              <a:rPr lang="en-GB" dirty="0"/>
-              <a:t>. </a:t>
-            </a:r>
-            <a:endParaRPr lang="cs-CZ" dirty="0"/>
-          </a:p>
-          <a:p>
-            <a:pPr marL="285750" indent="-285750">
-              <a:buFont typeface="Wingdings" panose="05000000000000000000" pitchFamily="2" charset="2"/>
-              <a:buChar char="v"/>
-            </a:pPr>
-            <a:r>
-              <a:rPr lang="en-GB" dirty="0" err="1"/>
-              <a:t>Půjčovatelé</a:t>
-            </a:r>
-            <a:r>
-              <a:rPr lang="en-GB" dirty="0"/>
-              <a:t>: </a:t>
-            </a:r>
-            <a:endParaRPr lang="cs-CZ" dirty="0"/>
-          </a:p>
-          <a:p>
-            <a:pPr marL="742950" lvl="1" indent="-285750">
-              <a:buFont typeface="Arial" panose="020B0604020202020204" pitchFamily="34" charset="0"/>
-              <a:buChar char="•"/>
-            </a:pPr>
-            <a:r>
-              <a:rPr lang="en-GB" dirty="0" err="1"/>
-              <a:t>Zákazníci</a:t>
-            </a:r>
-            <a:r>
-              <a:rPr lang="en-GB" dirty="0"/>
-              <a:t>, </a:t>
-            </a:r>
-            <a:r>
-              <a:rPr lang="en-GB" dirty="0" err="1"/>
-              <a:t>kteří</a:t>
-            </a:r>
-            <a:r>
-              <a:rPr lang="en-GB" dirty="0"/>
-              <a:t> </a:t>
-            </a:r>
-            <a:r>
-              <a:rPr lang="en-GB" dirty="0" err="1"/>
-              <a:t>si</a:t>
-            </a:r>
-            <a:r>
-              <a:rPr lang="en-GB" dirty="0"/>
-              <a:t> </a:t>
-            </a:r>
-            <a:r>
-              <a:rPr lang="en-GB" dirty="0" err="1"/>
-              <a:t>knihy</a:t>
-            </a:r>
-            <a:r>
-              <a:rPr lang="en-GB" dirty="0"/>
-              <a:t> </a:t>
-            </a:r>
-            <a:r>
-              <a:rPr lang="en-GB" dirty="0" err="1"/>
-              <a:t>půjčují</a:t>
-            </a:r>
-            <a:r>
-              <a:rPr lang="en-GB" dirty="0"/>
-              <a:t>. </a:t>
-            </a:r>
-            <a:endParaRPr lang="cs-CZ" dirty="0"/>
-          </a:p>
-          <a:p>
-            <a:pPr marL="742950" lvl="1" indent="-285750">
-              <a:buFont typeface="Arial" panose="020B0604020202020204" pitchFamily="34" charset="0"/>
-              <a:buChar char="•"/>
-            </a:pPr>
-            <a:r>
-              <a:rPr lang="en-GB" dirty="0" err="1"/>
-              <a:t>Musí</a:t>
-            </a:r>
-            <a:r>
-              <a:rPr lang="en-GB" dirty="0"/>
-              <a:t> se </a:t>
-            </a:r>
-            <a:r>
-              <a:rPr lang="en-GB" dirty="0" err="1"/>
-              <a:t>zaregistrovat</a:t>
-            </a:r>
-            <a:r>
-              <a:rPr lang="en-GB" dirty="0"/>
-              <a:t> v </a:t>
-            </a:r>
-            <a:r>
-              <a:rPr lang="en-GB" dirty="0" err="1"/>
-              <a:t>programu</a:t>
-            </a:r>
-            <a:r>
-              <a:rPr lang="en-GB" dirty="0"/>
-              <a:t>. </a:t>
-            </a:r>
-            <a:endParaRPr lang="cs-CZ" dirty="0"/>
-          </a:p>
-          <a:p>
-            <a:pPr marL="742950" lvl="1" indent="-285750">
-              <a:buFont typeface="Arial" panose="020B0604020202020204" pitchFamily="34" charset="0"/>
-              <a:buChar char="•"/>
-            </a:pPr>
-            <a:r>
-              <a:rPr lang="en-GB" dirty="0" err="1"/>
-              <a:t>Registrace</a:t>
-            </a:r>
-            <a:r>
-              <a:rPr lang="en-GB" dirty="0"/>
-              <a:t> </a:t>
-            </a:r>
-            <a:r>
-              <a:rPr lang="en-GB" dirty="0" err="1"/>
-              <a:t>zahrnuje</a:t>
-            </a:r>
-            <a:r>
-              <a:rPr lang="en-GB" dirty="0"/>
-              <a:t> </a:t>
-            </a:r>
-            <a:r>
-              <a:rPr lang="en-GB" dirty="0" err="1"/>
-              <a:t>zadání</a:t>
-            </a:r>
-            <a:r>
-              <a:rPr lang="en-GB" dirty="0"/>
-              <a:t>: </a:t>
-            </a:r>
-            <a:r>
-              <a:rPr lang="en-GB" dirty="0" err="1"/>
-              <a:t>jména</a:t>
-            </a:r>
-            <a:r>
-              <a:rPr lang="en-GB" dirty="0"/>
-              <a:t>, </a:t>
-            </a:r>
-            <a:r>
-              <a:rPr lang="en-GB" dirty="0" err="1"/>
-              <a:t>příjmení</a:t>
-            </a:r>
-            <a:r>
-              <a:rPr lang="en-GB" dirty="0"/>
-              <a:t>, </a:t>
-            </a:r>
-            <a:r>
-              <a:rPr lang="en-GB" dirty="0" err="1"/>
-              <a:t>kontaktních</a:t>
-            </a:r>
-            <a:r>
-              <a:rPr lang="en-GB" dirty="0"/>
-              <a:t> </a:t>
-            </a:r>
-            <a:r>
-              <a:rPr lang="en-GB" dirty="0" err="1"/>
-              <a:t>údajů</a:t>
-            </a:r>
-            <a:r>
-              <a:rPr lang="en-GB" dirty="0"/>
-              <a:t> (email, </a:t>
-            </a:r>
-            <a:r>
-              <a:rPr lang="en-GB" dirty="0" err="1"/>
-              <a:t>telefonní</a:t>
-            </a:r>
-            <a:r>
-              <a:rPr lang="en-GB" dirty="0"/>
-              <a:t> </a:t>
-            </a:r>
-            <a:r>
-              <a:rPr lang="en-GB" dirty="0" err="1"/>
-              <a:t>číslo</a:t>
-            </a:r>
-            <a:r>
-              <a:rPr lang="en-GB" dirty="0"/>
-              <a:t>).</a:t>
             </a:r>
           </a:p>
         </p:txBody>
@@ -4256,7 +4372,7 @@
     </p:spTree>
     <p:extLst>
       <p:ext uri="{BB962C8B-B14F-4D97-AF65-F5344CB8AC3E}">
-        <p14:creationId xmlns:p14="http://schemas.microsoft.com/office/powerpoint/2010/main" val="1048279893"/>
+        <p14:creationId xmlns:p14="http://schemas.microsoft.com/office/powerpoint/2010/main" val="538841867"/>
       </p:ext>
     </p:extLst>
   </p:cSld>
@@ -4285,10 +4401,10 @@
       </p:grpSpPr>
       <p:sp>
         <p:nvSpPr>
-          <p:cNvPr id="3" name="TextBox 2">
-            <a:extLst>
-              <a:ext uri="{FF2B5EF4-FFF2-40B4-BE49-F238E27FC236}">
-                <a16:creationId xmlns:a16="http://schemas.microsoft.com/office/drawing/2014/main" id="{3F973C27-B4E3-0891-5416-EF3FE2D5E9CC}"/>
+          <p:cNvPr id="2" name="TextBox 1">
+            <a:extLst>
+              <a:ext uri="{FF2B5EF4-FFF2-40B4-BE49-F238E27FC236}">
+                <a16:creationId xmlns:a16="http://schemas.microsoft.com/office/drawing/2014/main" id="{1EA5B2EE-C4B6-EE22-A543-697EFBE7DDAB}"/>
               </a:ext>
             </a:extLst>
           </p:cNvPr>
@@ -4297,8 +4413,8 @@
         </p:nvSpPr>
         <p:spPr>
           <a:xfrm>
-            <a:off x="175098" y="935691"/>
-            <a:ext cx="11653736" cy="4585871"/>
+            <a:off x="3793029" y="2844225"/>
+            <a:ext cx="4605941" cy="584775"/>
           </a:xfrm>
           <a:prstGeom prst="rect">
             <a:avLst/>
@@ -4306,945 +4422,23 @@
           <a:noFill/>
         </p:spPr>
         <p:txBody>
-          <a:bodyPr wrap="square">
+          <a:bodyPr wrap="none" rtlCol="0">
             <a:spAutoFit/>
           </a:bodyPr>
           <a:lstStyle/>
           <a:p>
             <a:r>
-              <a:rPr lang="en-GB" sz="2800" b="1" dirty="0" err="1"/>
-              <a:t>Registrace</a:t>
-            </a:r>
-            <a:r>
-              <a:rPr lang="en-GB" sz="2800" b="1" dirty="0"/>
-              <a:t>: </a:t>
-            </a:r>
-            <a:endParaRPr lang="cs-CZ" sz="2800" b="1" dirty="0"/>
-          </a:p>
-          <a:p>
-            <a:pPr marL="742950" lvl="1" indent="-285750">
-              <a:buFont typeface="Arial" panose="020B0604020202020204" pitchFamily="34" charset="0"/>
-              <a:buChar char="•"/>
-            </a:pPr>
-            <a:r>
-              <a:rPr lang="en-GB" dirty="0" err="1"/>
-              <a:t>Registrace</a:t>
-            </a:r>
-            <a:r>
-              <a:rPr lang="en-GB" dirty="0"/>
-              <a:t> </a:t>
-            </a:r>
-            <a:r>
-              <a:rPr lang="en-GB" dirty="0" err="1"/>
-              <a:t>probíhá</a:t>
-            </a:r>
-            <a:r>
-              <a:rPr lang="en-GB" dirty="0"/>
-              <a:t> v </a:t>
-            </a:r>
-            <a:r>
-              <a:rPr lang="en-GB" dirty="0" err="1"/>
-              <a:t>programu</a:t>
-            </a:r>
-            <a:r>
-              <a:rPr lang="en-GB" dirty="0"/>
-              <a:t> a je </a:t>
-            </a:r>
-            <a:r>
-              <a:rPr lang="en-GB" dirty="0" err="1"/>
-              <a:t>nutná</a:t>
-            </a:r>
-            <a:r>
-              <a:rPr lang="en-GB" dirty="0"/>
-              <a:t> pro </a:t>
-            </a:r>
-            <a:r>
-              <a:rPr lang="en-GB" dirty="0" err="1"/>
-              <a:t>možnost</a:t>
-            </a:r>
-            <a:r>
-              <a:rPr lang="en-GB" dirty="0"/>
-              <a:t> </a:t>
-            </a:r>
-            <a:r>
-              <a:rPr lang="en-GB" dirty="0" err="1"/>
-              <a:t>půjčování</a:t>
-            </a:r>
-            <a:r>
-              <a:rPr lang="en-GB" dirty="0"/>
-              <a:t> </a:t>
-            </a:r>
-            <a:r>
-              <a:rPr lang="en-GB" dirty="0" err="1"/>
-              <a:t>knih</a:t>
-            </a:r>
-            <a:r>
-              <a:rPr lang="en-GB" dirty="0"/>
-              <a:t>. </a:t>
-            </a:r>
-            <a:endParaRPr lang="cs-CZ" dirty="0"/>
-          </a:p>
-          <a:p>
-            <a:pPr marL="742950" lvl="1" indent="-285750">
-              <a:buFont typeface="Arial" panose="020B0604020202020204" pitchFamily="34" charset="0"/>
-              <a:buChar char="•"/>
-            </a:pPr>
-            <a:r>
-              <a:rPr lang="en-GB" dirty="0"/>
-              <a:t>Po </a:t>
-            </a:r>
-            <a:r>
-              <a:rPr lang="en-GB" dirty="0" err="1"/>
-              <a:t>registraci</a:t>
-            </a:r>
-            <a:r>
-              <a:rPr lang="en-GB" dirty="0"/>
-              <a:t> </a:t>
-            </a:r>
-            <a:r>
-              <a:rPr lang="en-GB" dirty="0" err="1"/>
-              <a:t>obdrží</a:t>
-            </a:r>
-            <a:r>
-              <a:rPr lang="en-GB" dirty="0"/>
-              <a:t> </a:t>
-            </a:r>
-            <a:r>
-              <a:rPr lang="en-GB" dirty="0" err="1"/>
-              <a:t>zákazník</a:t>
-            </a:r>
-            <a:r>
-              <a:rPr lang="en-GB" dirty="0"/>
-              <a:t> </a:t>
-            </a:r>
-            <a:r>
-              <a:rPr lang="en-GB" dirty="0" err="1"/>
-              <a:t>identifikační</a:t>
-            </a:r>
-            <a:r>
-              <a:rPr lang="en-GB" dirty="0"/>
-              <a:t> </a:t>
-            </a:r>
-            <a:r>
-              <a:rPr lang="en-GB" dirty="0" err="1"/>
-              <a:t>číslo</a:t>
-            </a:r>
-            <a:r>
-              <a:rPr lang="en-GB" dirty="0"/>
-              <a:t> (ID), </a:t>
-            </a:r>
-            <a:r>
-              <a:rPr lang="en-GB" dirty="0" err="1"/>
-              <a:t>které</a:t>
-            </a:r>
-            <a:r>
-              <a:rPr lang="en-GB" dirty="0"/>
-              <a:t> </a:t>
-            </a:r>
-            <a:r>
-              <a:rPr lang="en-GB" dirty="0" err="1"/>
-              <a:t>bude</a:t>
-            </a:r>
-            <a:r>
-              <a:rPr lang="en-GB" dirty="0"/>
-              <a:t> </a:t>
-            </a:r>
-            <a:r>
-              <a:rPr lang="en-GB" dirty="0" err="1"/>
-              <a:t>používat</a:t>
-            </a:r>
-            <a:r>
-              <a:rPr lang="en-GB" dirty="0"/>
-              <a:t> </a:t>
-            </a:r>
-            <a:r>
-              <a:rPr lang="en-GB" dirty="0" err="1"/>
-              <a:t>při</a:t>
-            </a:r>
-            <a:r>
-              <a:rPr lang="en-GB" dirty="0"/>
-              <a:t> </a:t>
-            </a:r>
-            <a:r>
-              <a:rPr lang="en-GB" dirty="0" err="1"/>
-              <a:t>půjčování</a:t>
-            </a:r>
-            <a:r>
-              <a:rPr lang="en-GB" dirty="0"/>
-              <a:t> </a:t>
-            </a:r>
-            <a:r>
-              <a:rPr lang="en-GB" dirty="0" err="1"/>
-              <a:t>knih</a:t>
-            </a:r>
-            <a:r>
-              <a:rPr lang="en-GB" dirty="0"/>
-              <a:t>. </a:t>
-            </a:r>
-            <a:endParaRPr lang="cs-CZ" dirty="0"/>
-          </a:p>
-          <a:p>
-            <a:r>
-              <a:rPr lang="en-GB" sz="2800" b="1" dirty="0" err="1"/>
-              <a:t>Půjčování</a:t>
-            </a:r>
-            <a:r>
-              <a:rPr lang="en-GB" sz="2800" b="1" dirty="0"/>
-              <a:t> </a:t>
-            </a:r>
-            <a:r>
-              <a:rPr lang="en-GB" sz="2800" b="1" dirty="0" err="1"/>
-              <a:t>knih</a:t>
-            </a:r>
-            <a:r>
-              <a:rPr lang="en-GB" sz="2800" b="1" dirty="0"/>
-              <a:t>: </a:t>
-            </a:r>
-            <a:endParaRPr lang="cs-CZ" sz="2800" b="1" dirty="0"/>
-          </a:p>
-          <a:p>
-            <a:pPr marL="742950" lvl="1" indent="-285750">
-              <a:buFont typeface="Arial" panose="020B0604020202020204" pitchFamily="34" charset="0"/>
-              <a:buChar char="•"/>
-            </a:pPr>
-            <a:r>
-              <a:rPr lang="en-GB" dirty="0"/>
-              <a:t>Program </a:t>
-            </a:r>
-            <a:r>
-              <a:rPr lang="en-GB" dirty="0" err="1"/>
-              <a:t>bude</a:t>
-            </a:r>
-            <a:r>
-              <a:rPr lang="en-GB" dirty="0"/>
-              <a:t> </a:t>
-            </a:r>
-            <a:r>
-              <a:rPr lang="en-GB" dirty="0" err="1"/>
-              <a:t>zobrazovat</a:t>
-            </a:r>
-            <a:r>
-              <a:rPr lang="en-GB" dirty="0"/>
-              <a:t> </a:t>
-            </a:r>
-            <a:r>
-              <a:rPr lang="en-GB" dirty="0" err="1"/>
-              <a:t>aktuální</a:t>
-            </a:r>
-            <a:r>
-              <a:rPr lang="en-GB" dirty="0"/>
-              <a:t> </a:t>
-            </a:r>
-            <a:r>
-              <a:rPr lang="en-GB" dirty="0" err="1"/>
-              <a:t>počet</a:t>
-            </a:r>
-            <a:r>
-              <a:rPr lang="en-GB" dirty="0"/>
-              <a:t> </a:t>
-            </a:r>
-            <a:r>
-              <a:rPr lang="en-GB" dirty="0" err="1"/>
-              <a:t>dostupných</a:t>
-            </a:r>
-            <a:r>
-              <a:rPr lang="en-GB" dirty="0"/>
-              <a:t> </a:t>
-            </a:r>
-            <a:r>
-              <a:rPr lang="en-GB" dirty="0" err="1"/>
-              <a:t>kusů</a:t>
-            </a:r>
-            <a:r>
-              <a:rPr lang="en-GB" dirty="0"/>
-              <a:t> u </a:t>
-            </a:r>
-            <a:r>
-              <a:rPr lang="en-GB" dirty="0" err="1"/>
-              <a:t>každé</a:t>
-            </a:r>
-            <a:r>
-              <a:rPr lang="en-GB" dirty="0"/>
-              <a:t> </a:t>
-            </a:r>
-            <a:r>
-              <a:rPr lang="en-GB" dirty="0" err="1"/>
-              <a:t>knihy</a:t>
-            </a:r>
-            <a:r>
-              <a:rPr lang="en-GB" dirty="0"/>
-              <a:t>. </a:t>
-            </a:r>
-            <a:endParaRPr lang="cs-CZ" dirty="0"/>
-          </a:p>
-          <a:p>
-            <a:pPr marL="742950" lvl="1" indent="-285750">
-              <a:buFont typeface="Arial" panose="020B0604020202020204" pitchFamily="34" charset="0"/>
-              <a:buChar char="•"/>
-            </a:pPr>
-            <a:r>
-              <a:rPr lang="en-GB" dirty="0" err="1"/>
-              <a:t>Půjčování</a:t>
-            </a:r>
-            <a:r>
-              <a:rPr lang="en-GB" dirty="0"/>
-              <a:t> </a:t>
-            </a:r>
-            <a:r>
-              <a:rPr lang="en-GB" dirty="0" err="1"/>
-              <a:t>knih</a:t>
-            </a:r>
-            <a:r>
-              <a:rPr lang="en-GB" dirty="0"/>
-              <a:t> je </a:t>
-            </a:r>
-            <a:r>
-              <a:rPr lang="en-GB" dirty="0" err="1"/>
-              <a:t>dostupné</a:t>
-            </a:r>
-            <a:r>
-              <a:rPr lang="en-GB" dirty="0"/>
-              <a:t> </a:t>
-            </a:r>
-            <a:r>
-              <a:rPr lang="en-GB" dirty="0" err="1"/>
-              <a:t>pouze</a:t>
-            </a:r>
-            <a:r>
-              <a:rPr lang="en-GB" dirty="0"/>
-              <a:t> </a:t>
-            </a:r>
-            <a:r>
-              <a:rPr lang="en-GB" dirty="0" err="1"/>
-              <a:t>registrovaným</a:t>
-            </a:r>
-            <a:r>
-              <a:rPr lang="en-GB" dirty="0"/>
-              <a:t> </a:t>
-            </a:r>
-            <a:r>
-              <a:rPr lang="en-GB" dirty="0" err="1"/>
-              <a:t>uživatelům</a:t>
-            </a:r>
-            <a:r>
-              <a:rPr lang="en-GB" dirty="0"/>
-              <a:t>. </a:t>
-            </a:r>
-            <a:endParaRPr lang="cs-CZ" dirty="0"/>
-          </a:p>
-          <a:p>
-            <a:pPr marL="742950" lvl="1" indent="-285750">
-              <a:buFont typeface="Arial" panose="020B0604020202020204" pitchFamily="34" charset="0"/>
-              <a:buChar char="•"/>
-            </a:pPr>
-            <a:r>
-              <a:rPr lang="en-GB" dirty="0" err="1"/>
-              <a:t>Podle</a:t>
-            </a:r>
-            <a:r>
-              <a:rPr lang="en-GB" dirty="0"/>
-              <a:t> ID </a:t>
-            </a:r>
-            <a:r>
-              <a:rPr lang="en-GB" dirty="0" err="1"/>
-              <a:t>zákazníka</a:t>
-            </a:r>
-            <a:r>
-              <a:rPr lang="en-GB" dirty="0"/>
-              <a:t> </a:t>
-            </a:r>
-            <a:r>
-              <a:rPr lang="en-GB" dirty="0" err="1"/>
-              <a:t>dokážeme</a:t>
-            </a:r>
-            <a:r>
-              <a:rPr lang="en-GB" dirty="0"/>
-              <a:t> </a:t>
-            </a:r>
-            <a:r>
-              <a:rPr lang="en-GB" dirty="0" err="1"/>
-              <a:t>dohledat</a:t>
-            </a:r>
-            <a:r>
-              <a:rPr lang="en-GB" dirty="0"/>
-              <a:t> </a:t>
-            </a:r>
-            <a:r>
-              <a:rPr lang="en-GB" dirty="0" err="1"/>
-              <a:t>informaci</a:t>
-            </a:r>
-            <a:r>
-              <a:rPr lang="en-GB" dirty="0"/>
-              <a:t> o tom, </a:t>
-            </a:r>
-            <a:r>
-              <a:rPr lang="en-GB" dirty="0" err="1"/>
-              <a:t>jakou</a:t>
-            </a:r>
-            <a:r>
-              <a:rPr lang="en-GB" dirty="0"/>
-              <a:t> </a:t>
-            </a:r>
-            <a:r>
-              <a:rPr lang="en-GB" dirty="0" err="1"/>
-              <a:t>knihu</a:t>
-            </a:r>
-            <a:r>
-              <a:rPr lang="en-GB" dirty="0"/>
-              <a:t> </a:t>
-            </a:r>
-            <a:r>
-              <a:rPr lang="en-GB" dirty="0" err="1"/>
-              <a:t>si</a:t>
-            </a:r>
-            <a:r>
-              <a:rPr lang="en-GB" dirty="0"/>
-              <a:t> </a:t>
-            </a:r>
-            <a:r>
-              <a:rPr lang="en-GB" dirty="0" err="1"/>
-              <a:t>půjčil</a:t>
-            </a:r>
-            <a:r>
-              <a:rPr lang="en-GB" dirty="0"/>
-              <a:t>, </a:t>
-            </a:r>
-            <a:r>
-              <a:rPr lang="en-GB" dirty="0" err="1"/>
-              <a:t>kdy</a:t>
-            </a:r>
-            <a:r>
-              <a:rPr lang="en-GB" dirty="0"/>
-              <a:t> </a:t>
-            </a:r>
-            <a:r>
-              <a:rPr lang="en-GB" dirty="0" err="1"/>
-              <a:t>si</a:t>
-            </a:r>
-            <a:r>
-              <a:rPr lang="en-GB" dirty="0"/>
-              <a:t> ji </a:t>
-            </a:r>
-            <a:r>
-              <a:rPr lang="en-GB" dirty="0" err="1"/>
-              <a:t>půjčil</a:t>
-            </a:r>
-            <a:r>
-              <a:rPr lang="en-GB" dirty="0"/>
-              <a:t> a </a:t>
-            </a:r>
-            <a:r>
-              <a:rPr lang="en-GB" dirty="0" err="1"/>
-              <a:t>kdy</a:t>
-            </a:r>
-            <a:r>
-              <a:rPr lang="en-GB" dirty="0"/>
-              <a:t> ji </a:t>
-            </a:r>
-            <a:r>
-              <a:rPr lang="en-GB" dirty="0" err="1"/>
-              <a:t>má</a:t>
-            </a:r>
-            <a:r>
-              <a:rPr lang="en-GB" dirty="0"/>
-              <a:t> </a:t>
-            </a:r>
-            <a:r>
-              <a:rPr lang="en-GB" dirty="0" err="1"/>
-              <a:t>vrátit</a:t>
-            </a:r>
-            <a:r>
-              <a:rPr lang="en-GB" dirty="0"/>
-              <a:t>. </a:t>
-            </a:r>
-            <a:endParaRPr lang="cs-CZ" dirty="0"/>
-          </a:p>
-          <a:p>
-            <a:pPr marL="742950" lvl="1" indent="-285750">
-              <a:buFont typeface="Arial" panose="020B0604020202020204" pitchFamily="34" charset="0"/>
-              <a:buChar char="•"/>
-            </a:pPr>
-            <a:r>
-              <a:rPr lang="en-GB" dirty="0"/>
-              <a:t>Po </a:t>
-            </a:r>
-            <a:r>
-              <a:rPr lang="en-GB" dirty="0" err="1"/>
-              <a:t>vrácení</a:t>
-            </a:r>
-            <a:r>
-              <a:rPr lang="en-GB" dirty="0"/>
-              <a:t> </a:t>
-            </a:r>
-            <a:r>
-              <a:rPr lang="en-GB" dirty="0" err="1"/>
-              <a:t>knihy</a:t>
-            </a:r>
-            <a:r>
-              <a:rPr lang="en-GB" dirty="0"/>
-              <a:t> se </a:t>
-            </a:r>
-            <a:r>
-              <a:rPr lang="en-GB" dirty="0" err="1"/>
-              <a:t>smaže</a:t>
-            </a:r>
-            <a:r>
-              <a:rPr lang="en-GB" dirty="0"/>
-              <a:t> </a:t>
-            </a:r>
-            <a:r>
-              <a:rPr lang="en-GB" dirty="0" err="1"/>
-              <a:t>jeho</a:t>
-            </a:r>
-            <a:r>
-              <a:rPr lang="en-GB" dirty="0"/>
-              <a:t> </a:t>
-            </a:r>
-            <a:r>
-              <a:rPr lang="en-GB" dirty="0" err="1"/>
-              <a:t>informace</a:t>
-            </a:r>
-            <a:r>
-              <a:rPr lang="en-GB" dirty="0"/>
-              <a:t> o </a:t>
-            </a:r>
-            <a:r>
-              <a:rPr lang="en-GB" dirty="0" err="1"/>
-              <a:t>půjčování</a:t>
-            </a:r>
-            <a:r>
-              <a:rPr lang="en-GB" dirty="0"/>
-              <a:t>. </a:t>
-            </a:r>
-            <a:endParaRPr lang="cs-CZ" dirty="0"/>
-          </a:p>
-          <a:p>
-            <a:r>
-              <a:rPr lang="en-GB" sz="2800" b="1" dirty="0" err="1"/>
-              <a:t>Zapůjčené</a:t>
-            </a:r>
-            <a:r>
-              <a:rPr lang="en-GB" sz="2800" b="1" dirty="0"/>
-              <a:t> </a:t>
-            </a:r>
-            <a:r>
-              <a:rPr lang="en-GB" sz="2800" b="1" dirty="0" err="1"/>
-              <a:t>knihy</a:t>
-            </a:r>
-            <a:r>
-              <a:rPr lang="en-GB" sz="2800" b="1" dirty="0"/>
-              <a:t>:</a:t>
-            </a:r>
-            <a:endParaRPr lang="cs-CZ" sz="2800" b="1" dirty="0"/>
-          </a:p>
-          <a:p>
-            <a:pPr marL="742950" lvl="1" indent="-285750">
-              <a:buFont typeface="Arial" panose="020B0604020202020204" pitchFamily="34" charset="0"/>
-              <a:buChar char="•"/>
-            </a:pPr>
-            <a:r>
-              <a:rPr lang="en-GB" dirty="0"/>
-              <a:t>V </a:t>
-            </a:r>
-            <a:r>
-              <a:rPr lang="en-GB" dirty="0" err="1"/>
-              <a:t>programu</a:t>
-            </a:r>
-            <a:r>
-              <a:rPr lang="en-GB" dirty="0"/>
-              <a:t> </a:t>
-            </a:r>
-            <a:r>
-              <a:rPr lang="en-GB" dirty="0" err="1"/>
-              <a:t>zle</a:t>
-            </a:r>
-            <a:r>
-              <a:rPr lang="en-GB" dirty="0"/>
-              <a:t> </a:t>
-            </a:r>
-            <a:r>
-              <a:rPr lang="en-GB" dirty="0" err="1"/>
-              <a:t>zobrazit</a:t>
-            </a:r>
-            <a:r>
-              <a:rPr lang="en-GB" dirty="0"/>
-              <a:t> </a:t>
-            </a:r>
-            <a:r>
-              <a:rPr lang="en-GB" dirty="0" err="1"/>
-              <a:t>informace</a:t>
-            </a:r>
-            <a:r>
-              <a:rPr lang="en-GB" dirty="0"/>
-              <a:t> o tom, </a:t>
-            </a:r>
-            <a:r>
-              <a:rPr lang="en-GB" dirty="0" err="1"/>
-              <a:t>kdo</a:t>
-            </a:r>
-            <a:r>
-              <a:rPr lang="en-GB" dirty="0"/>
-              <a:t> </a:t>
-            </a:r>
-            <a:r>
-              <a:rPr lang="en-GB" dirty="0" err="1"/>
-              <a:t>si</a:t>
-            </a:r>
-            <a:r>
-              <a:rPr lang="en-GB" dirty="0"/>
-              <a:t> </a:t>
-            </a:r>
-            <a:r>
-              <a:rPr lang="en-GB" dirty="0" err="1"/>
-              <a:t>jakou</a:t>
-            </a:r>
-            <a:r>
-              <a:rPr lang="en-GB" dirty="0"/>
-              <a:t> </a:t>
-            </a:r>
-            <a:r>
-              <a:rPr lang="en-GB" dirty="0" err="1"/>
-              <a:t>knihu</a:t>
-            </a:r>
-            <a:r>
-              <a:rPr lang="en-GB" dirty="0"/>
-              <a:t> </a:t>
-            </a:r>
-            <a:r>
-              <a:rPr lang="en-GB" dirty="0" err="1"/>
-              <a:t>půjčil</a:t>
-            </a:r>
-            <a:r>
-              <a:rPr lang="en-GB" dirty="0"/>
-              <a:t>, </a:t>
-            </a:r>
-            <a:r>
-              <a:rPr lang="en-GB" dirty="0" err="1"/>
-              <a:t>kdy</a:t>
-            </a:r>
-            <a:r>
-              <a:rPr lang="en-GB" dirty="0"/>
-              <a:t> </a:t>
-            </a:r>
-            <a:r>
-              <a:rPr lang="en-GB" dirty="0" err="1"/>
-              <a:t>si</a:t>
-            </a:r>
-            <a:r>
-              <a:rPr lang="en-GB" dirty="0"/>
-              <a:t> ji </a:t>
-            </a:r>
-            <a:r>
-              <a:rPr lang="en-GB" dirty="0" err="1"/>
-              <a:t>půjčil</a:t>
-            </a:r>
-            <a:r>
-              <a:rPr lang="en-GB" dirty="0"/>
-              <a:t> a </a:t>
-            </a:r>
-            <a:r>
-              <a:rPr lang="en-GB" dirty="0" err="1"/>
-              <a:t>kdy</a:t>
-            </a:r>
-            <a:r>
-              <a:rPr lang="en-GB" dirty="0"/>
-              <a:t> ji </a:t>
-            </a:r>
-            <a:r>
-              <a:rPr lang="en-GB" dirty="0" err="1"/>
-              <a:t>má</a:t>
-            </a:r>
-            <a:r>
-              <a:rPr lang="en-GB" dirty="0"/>
-              <a:t> </a:t>
-            </a:r>
-            <a:r>
-              <a:rPr lang="en-GB" dirty="0" err="1"/>
-              <a:t>vrátit</a:t>
-            </a:r>
-            <a:r>
-              <a:rPr lang="en-GB" dirty="0"/>
-              <a:t>. </a:t>
-            </a:r>
-            <a:endParaRPr lang="cs-CZ" dirty="0"/>
-          </a:p>
-          <a:p>
-            <a:pPr marL="742950" lvl="1" indent="-285750">
-              <a:buFont typeface="Arial" panose="020B0604020202020204" pitchFamily="34" charset="0"/>
-              <a:buChar char="•"/>
-            </a:pPr>
-            <a:r>
-              <a:rPr lang="en-GB" dirty="0"/>
-              <a:t>Po </a:t>
-            </a:r>
-            <a:r>
-              <a:rPr lang="en-GB" dirty="0" err="1"/>
-              <a:t>vrácení</a:t>
-            </a:r>
-            <a:r>
-              <a:rPr lang="en-GB" dirty="0"/>
-              <a:t> </a:t>
-            </a:r>
-            <a:r>
-              <a:rPr lang="en-GB" dirty="0" err="1"/>
-              <a:t>knihy</a:t>
-            </a:r>
-            <a:r>
-              <a:rPr lang="en-GB" dirty="0"/>
-              <a:t> se </a:t>
-            </a:r>
-            <a:r>
-              <a:rPr lang="en-GB" dirty="0" err="1"/>
-              <a:t>smaže</a:t>
-            </a:r>
-            <a:r>
-              <a:rPr lang="en-GB" dirty="0"/>
-              <a:t> </a:t>
-            </a:r>
-            <a:r>
-              <a:rPr lang="en-GB" dirty="0" err="1"/>
-              <a:t>informace</a:t>
-            </a:r>
-            <a:r>
-              <a:rPr lang="en-GB" dirty="0"/>
-              <a:t> o tom </a:t>
-            </a:r>
-            <a:r>
-              <a:rPr lang="en-GB" dirty="0" err="1"/>
-              <a:t>kdo</a:t>
-            </a:r>
-            <a:r>
-              <a:rPr lang="en-GB" dirty="0"/>
-              <a:t> </a:t>
-            </a:r>
-            <a:r>
-              <a:rPr lang="en-GB" dirty="0" err="1"/>
-              <a:t>si</a:t>
-            </a:r>
-            <a:r>
-              <a:rPr lang="en-GB" dirty="0"/>
-              <a:t> co </a:t>
-            </a:r>
-            <a:r>
-              <a:rPr lang="en-GB" dirty="0" err="1"/>
-              <a:t>půjčil</a:t>
-            </a:r>
-            <a:r>
-              <a:rPr lang="en-GB" dirty="0"/>
-              <a:t>. </a:t>
-            </a:r>
-            <a:endParaRPr lang="cs-CZ" dirty="0"/>
-          </a:p>
-          <a:p>
-            <a:r>
-              <a:rPr lang="en-GB" sz="2800" b="1" dirty="0" err="1"/>
-              <a:t>Penalizace</a:t>
-            </a:r>
-            <a:r>
-              <a:rPr lang="en-GB" sz="2800" b="1" dirty="0"/>
-              <a:t> za </a:t>
-            </a:r>
-            <a:r>
-              <a:rPr lang="en-GB" sz="2800" b="1" dirty="0" err="1"/>
-              <a:t>zpoždění</a:t>
-            </a:r>
-            <a:r>
-              <a:rPr lang="en-GB" sz="2800" b="1" dirty="0"/>
-              <a:t> </a:t>
-            </a:r>
-            <a:r>
-              <a:rPr lang="en-GB" sz="2800" b="1" dirty="0" err="1"/>
-              <a:t>nebo</a:t>
-            </a:r>
-            <a:r>
-              <a:rPr lang="en-GB" sz="2800" b="1" dirty="0"/>
-              <a:t> </a:t>
-            </a:r>
-            <a:r>
-              <a:rPr lang="en-GB" sz="2800" b="1" dirty="0" err="1"/>
-              <a:t>ztrátu</a:t>
-            </a:r>
-            <a:r>
-              <a:rPr lang="en-GB" sz="2800" b="1" dirty="0"/>
-              <a:t> </a:t>
-            </a:r>
-            <a:r>
-              <a:rPr lang="en-GB" sz="2800" b="1" dirty="0" err="1"/>
-              <a:t>knihy</a:t>
-            </a:r>
-            <a:r>
-              <a:rPr lang="en-GB" sz="2800" b="1" dirty="0"/>
-              <a:t> </a:t>
-            </a:r>
-            <a:endParaRPr lang="cs-CZ" sz="2800" b="1" dirty="0"/>
-          </a:p>
-          <a:p>
-            <a:pPr marL="742950" lvl="1" indent="-285750">
-              <a:buFont typeface="Arial" panose="020B0604020202020204" pitchFamily="34" charset="0"/>
-              <a:buChar char="•"/>
-            </a:pPr>
-            <a:r>
-              <a:rPr lang="en-GB" dirty="0"/>
-              <a:t>Datum </a:t>
-            </a:r>
-            <a:r>
-              <a:rPr lang="en-GB" dirty="0" err="1"/>
-              <a:t>vrácení</a:t>
-            </a:r>
-            <a:r>
-              <a:rPr lang="en-GB" dirty="0"/>
-              <a:t> </a:t>
-            </a:r>
-            <a:r>
-              <a:rPr lang="en-GB" dirty="0" err="1"/>
-              <a:t>knihy</a:t>
-            </a:r>
-            <a:r>
-              <a:rPr lang="en-GB" dirty="0"/>
-              <a:t> je </a:t>
-            </a:r>
-            <a:r>
-              <a:rPr lang="en-GB" dirty="0" err="1"/>
-              <a:t>stanoveno</a:t>
-            </a:r>
-            <a:r>
-              <a:rPr lang="en-GB" dirty="0"/>
-              <a:t> </a:t>
-            </a:r>
-            <a:r>
-              <a:rPr lang="en-GB" dirty="0" err="1"/>
-              <a:t>při</a:t>
-            </a:r>
-            <a:r>
-              <a:rPr lang="en-GB" dirty="0"/>
-              <a:t> </a:t>
-            </a:r>
-            <a:r>
-              <a:rPr lang="en-GB" dirty="0" err="1"/>
-              <a:t>půjčení</a:t>
-            </a:r>
-            <a:r>
-              <a:rPr lang="en-GB" dirty="0"/>
-              <a:t> </a:t>
-            </a:r>
-            <a:r>
-              <a:rPr lang="en-GB" dirty="0" err="1"/>
-              <a:t>knihy</a:t>
-            </a:r>
-            <a:r>
-              <a:rPr lang="en-GB" dirty="0"/>
-              <a:t>. </a:t>
-            </a:r>
-            <a:endParaRPr lang="cs-CZ" dirty="0"/>
-          </a:p>
-          <a:p>
-            <a:pPr marL="742950" lvl="1" indent="-285750">
-              <a:buFont typeface="Arial" panose="020B0604020202020204" pitchFamily="34" charset="0"/>
-              <a:buChar char="•"/>
-            </a:pPr>
-            <a:r>
-              <a:rPr lang="en-GB" dirty="0" err="1"/>
-              <a:t>Pokud</a:t>
-            </a:r>
-            <a:r>
-              <a:rPr lang="en-GB" dirty="0"/>
-              <a:t> </a:t>
-            </a:r>
-            <a:r>
-              <a:rPr lang="en-GB" dirty="0" err="1"/>
-              <a:t>zákazník</a:t>
-            </a:r>
-            <a:r>
-              <a:rPr lang="en-GB" dirty="0"/>
-              <a:t> </a:t>
-            </a:r>
-            <a:r>
-              <a:rPr lang="en-GB" dirty="0" err="1"/>
-              <a:t>vrátí</a:t>
-            </a:r>
-            <a:r>
-              <a:rPr lang="en-GB" dirty="0"/>
-              <a:t> </a:t>
-            </a:r>
-            <a:r>
-              <a:rPr lang="en-GB" dirty="0" err="1"/>
-              <a:t>knihu</a:t>
-            </a:r>
-            <a:r>
-              <a:rPr lang="en-GB" dirty="0"/>
-              <a:t> po </a:t>
-            </a:r>
-            <a:r>
-              <a:rPr lang="en-GB" dirty="0" err="1"/>
-              <a:t>tomto</a:t>
-            </a:r>
-            <a:r>
-              <a:rPr lang="en-GB" dirty="0"/>
-              <a:t> </a:t>
-            </a:r>
-            <a:r>
-              <a:rPr lang="en-GB" dirty="0" err="1"/>
-              <a:t>datu</a:t>
-            </a:r>
-            <a:r>
-              <a:rPr lang="en-GB" dirty="0"/>
-              <a:t> </a:t>
-            </a:r>
-            <a:r>
-              <a:rPr lang="en-GB" dirty="0" err="1"/>
-              <a:t>nebo</a:t>
-            </a:r>
-            <a:r>
-              <a:rPr lang="en-GB" dirty="0"/>
-              <a:t> </a:t>
-            </a:r>
-            <a:r>
-              <a:rPr lang="en-GB" dirty="0" err="1"/>
-              <a:t>ztratí</a:t>
-            </a:r>
-            <a:r>
-              <a:rPr lang="en-GB" dirty="0"/>
-              <a:t> </a:t>
-            </a:r>
-            <a:r>
-              <a:rPr lang="en-GB" dirty="0" err="1"/>
-              <a:t>knihu</a:t>
-            </a:r>
-            <a:r>
-              <a:rPr lang="en-GB" dirty="0"/>
-              <a:t>, </a:t>
-            </a:r>
-            <a:r>
-              <a:rPr lang="en-GB" dirty="0" err="1"/>
-              <a:t>bude</a:t>
-            </a:r>
-            <a:r>
-              <a:rPr lang="en-GB" dirty="0"/>
-              <a:t> mu </a:t>
-            </a:r>
-            <a:r>
-              <a:rPr lang="en-GB" dirty="0" err="1"/>
-              <a:t>účtována</a:t>
-            </a:r>
-            <a:r>
-              <a:rPr lang="en-GB" dirty="0"/>
-              <a:t> </a:t>
-            </a:r>
-            <a:r>
-              <a:rPr lang="en-GB" dirty="0" err="1"/>
-              <a:t>pokuta</a:t>
-            </a:r>
-            <a:r>
-              <a:rPr lang="en-GB" dirty="0"/>
-              <a:t>.</a:t>
-            </a:r>
+              <a:rPr lang="cs-CZ" sz="3200" b="1" dirty="0"/>
+              <a:t>Hlavní řešené problémy</a:t>
+            </a:r>
+            <a:endParaRPr lang="en-GB" sz="3200" b="1" dirty="0"/>
           </a:p>
         </p:txBody>
       </p:sp>
     </p:spTree>
     <p:extLst>
       <p:ext uri="{BB962C8B-B14F-4D97-AF65-F5344CB8AC3E}">
-        <p14:creationId xmlns:p14="http://schemas.microsoft.com/office/powerpoint/2010/main" val="2960219404"/>
+        <p14:creationId xmlns:p14="http://schemas.microsoft.com/office/powerpoint/2010/main" val="1537276342"/>
       </p:ext>
     </p:extLst>
   </p:cSld>
@@ -5273,6 +4467,568 @@
       </p:grpSpPr>
       <p:sp>
         <p:nvSpPr>
+          <p:cNvPr id="3" name="TextBox 2">
+            <a:extLst>
+              <a:ext uri="{FF2B5EF4-FFF2-40B4-BE49-F238E27FC236}">
+                <a16:creationId xmlns:a16="http://schemas.microsoft.com/office/drawing/2014/main" id="{7D2C13BD-E728-1AA1-F5A4-8310D3F79794}"/>
+              </a:ext>
+            </a:extLst>
+          </p:cNvPr>
+          <p:cNvSpPr txBox="1"/>
+          <p:nvPr/>
+        </p:nvSpPr>
+        <p:spPr>
+          <a:xfrm>
+            <a:off x="1265941" y="1859339"/>
+            <a:ext cx="9660117" cy="3139321"/>
+          </a:xfrm>
+          <a:prstGeom prst="rect">
+            <a:avLst/>
+          </a:prstGeom>
+          <a:noFill/>
+        </p:spPr>
+        <p:txBody>
+          <a:bodyPr wrap="square">
+            <a:spAutoFit/>
+          </a:bodyPr>
+          <a:lstStyle/>
+          <a:p>
+            <a:r>
+              <a:rPr lang="en-GB" u="sng" dirty="0" err="1"/>
+              <a:t>Duplicit</a:t>
+            </a:r>
+            <a:r>
+              <a:rPr lang="cs-CZ" u="sng" dirty="0"/>
+              <a:t>a</a:t>
+            </a:r>
+            <a:r>
+              <a:rPr lang="en-GB" u="sng" dirty="0"/>
+              <a:t>: </a:t>
+            </a:r>
+            <a:endParaRPr lang="cs-CZ" u="sng" dirty="0"/>
+          </a:p>
+          <a:p>
+            <a:r>
+              <a:rPr lang="en-GB" dirty="0" err="1"/>
+              <a:t>Při</a:t>
+            </a:r>
+            <a:r>
+              <a:rPr lang="en-GB" dirty="0"/>
+              <a:t> </a:t>
+            </a:r>
+            <a:r>
+              <a:rPr lang="en-GB" dirty="0" err="1"/>
+              <a:t>přidávání</a:t>
+            </a:r>
+            <a:r>
+              <a:rPr lang="en-GB" dirty="0"/>
+              <a:t> </a:t>
+            </a:r>
+            <a:r>
+              <a:rPr lang="en-GB" dirty="0" err="1"/>
+              <a:t>nového</a:t>
+            </a:r>
+            <a:r>
+              <a:rPr lang="en-GB" dirty="0"/>
+              <a:t> </a:t>
+            </a:r>
+            <a:r>
+              <a:rPr lang="en-GB" dirty="0" err="1"/>
+              <a:t>autora</a:t>
+            </a:r>
+            <a:r>
+              <a:rPr lang="cs-CZ" dirty="0"/>
+              <a:t>, zákazníka, atd.</a:t>
+            </a:r>
+            <a:r>
+              <a:rPr lang="en-GB" dirty="0"/>
+              <a:t> program </a:t>
+            </a:r>
+            <a:r>
+              <a:rPr lang="en-GB" dirty="0" err="1"/>
+              <a:t>zkontroluje</a:t>
+            </a:r>
+            <a:r>
+              <a:rPr lang="en-GB" dirty="0"/>
+              <a:t>, </a:t>
+            </a:r>
+            <a:r>
+              <a:rPr lang="en-GB" dirty="0" err="1"/>
+              <a:t>zda</a:t>
+            </a:r>
+            <a:r>
+              <a:rPr lang="en-GB" dirty="0"/>
+              <a:t> </a:t>
+            </a:r>
+            <a:r>
+              <a:rPr lang="cs-CZ" dirty="0"/>
+              <a:t>záznam</a:t>
+            </a:r>
+            <a:r>
+              <a:rPr lang="en-GB" dirty="0"/>
+              <a:t> </a:t>
+            </a:r>
+            <a:r>
+              <a:rPr lang="en-GB" dirty="0" err="1"/>
+              <a:t>již</a:t>
+            </a:r>
+            <a:r>
+              <a:rPr lang="en-GB" dirty="0"/>
+              <a:t> </a:t>
+            </a:r>
+            <a:r>
+              <a:rPr lang="en-GB" dirty="0" err="1"/>
+              <a:t>existuje</a:t>
+            </a:r>
+            <a:r>
+              <a:rPr lang="en-GB" dirty="0"/>
+              <a:t>, aby se </a:t>
+            </a:r>
+            <a:r>
+              <a:rPr lang="en-GB" dirty="0" err="1"/>
+              <a:t>zabránilo</a:t>
+            </a:r>
+            <a:r>
+              <a:rPr lang="en-GB" dirty="0"/>
+              <a:t> </a:t>
+            </a:r>
+            <a:r>
+              <a:rPr lang="en-GB" dirty="0" err="1"/>
+              <a:t>duplicitním</a:t>
+            </a:r>
+            <a:r>
+              <a:rPr lang="en-GB" dirty="0"/>
+              <a:t> </a:t>
+            </a:r>
+            <a:r>
+              <a:rPr lang="en-GB" dirty="0" err="1"/>
+              <a:t>záznamům</a:t>
+            </a:r>
+            <a:r>
+              <a:rPr lang="en-GB" dirty="0"/>
+              <a:t>.</a:t>
+            </a:r>
+            <a:endParaRPr lang="cs-CZ" dirty="0"/>
+          </a:p>
+          <a:p>
+            <a:endParaRPr lang="cs-CZ" dirty="0"/>
+          </a:p>
+          <a:p>
+            <a:r>
+              <a:rPr lang="en-GB" dirty="0"/>
+              <a:t> </a:t>
+            </a:r>
+            <a:r>
+              <a:rPr lang="en-GB" u="sng" dirty="0" err="1"/>
+              <a:t>Aktualizace</a:t>
+            </a:r>
+            <a:r>
+              <a:rPr lang="en-GB" u="sng" dirty="0"/>
+              <a:t> </a:t>
+            </a:r>
+            <a:r>
+              <a:rPr lang="en-GB" u="sng" dirty="0" err="1"/>
+              <a:t>detailů</a:t>
+            </a:r>
+            <a:r>
+              <a:rPr lang="en-GB" u="sng" dirty="0"/>
+              <a:t> </a:t>
+            </a:r>
+            <a:r>
+              <a:rPr lang="en-GB" u="sng" dirty="0" err="1"/>
+              <a:t>knihy</a:t>
+            </a:r>
+            <a:r>
+              <a:rPr lang="en-GB" u="sng" dirty="0"/>
+              <a:t>: </a:t>
+            </a:r>
+            <a:endParaRPr lang="cs-CZ" u="sng" dirty="0"/>
+          </a:p>
+          <a:p>
+            <a:r>
+              <a:rPr lang="en-GB" dirty="0"/>
+              <a:t>Program </a:t>
+            </a:r>
+            <a:r>
+              <a:rPr lang="en-GB" dirty="0" err="1"/>
+              <a:t>umožňuje</a:t>
+            </a:r>
+            <a:r>
+              <a:rPr lang="en-GB" dirty="0"/>
+              <a:t> </a:t>
+            </a:r>
+            <a:r>
+              <a:rPr lang="en-GB" dirty="0" err="1"/>
+              <a:t>aktualizovat</a:t>
+            </a:r>
+            <a:r>
+              <a:rPr lang="en-GB" dirty="0"/>
+              <a:t> </a:t>
+            </a:r>
+            <a:r>
+              <a:rPr lang="en-GB" dirty="0" err="1"/>
+              <a:t>detaily</a:t>
+            </a:r>
+            <a:r>
+              <a:rPr lang="en-GB" dirty="0"/>
+              <a:t> </a:t>
+            </a:r>
+            <a:r>
+              <a:rPr lang="en-GB" dirty="0" err="1"/>
+              <a:t>knihy</a:t>
+            </a:r>
+            <a:r>
+              <a:rPr lang="en-GB" dirty="0"/>
+              <a:t> a </a:t>
+            </a:r>
+            <a:r>
+              <a:rPr lang="en-GB" dirty="0" err="1"/>
+              <a:t>také</a:t>
+            </a:r>
+            <a:r>
+              <a:rPr lang="en-GB" dirty="0"/>
+              <a:t> </a:t>
+            </a:r>
+            <a:r>
+              <a:rPr lang="en-GB" dirty="0" err="1"/>
+              <a:t>autory</a:t>
+            </a:r>
+            <a:r>
+              <a:rPr lang="en-GB" dirty="0"/>
+              <a:t> </a:t>
+            </a:r>
+            <a:r>
+              <a:rPr lang="en-GB" dirty="0" err="1"/>
+              <a:t>knihy</a:t>
+            </a:r>
+            <a:r>
+              <a:rPr lang="en-GB" dirty="0"/>
+              <a:t>. </a:t>
+            </a:r>
+            <a:r>
+              <a:rPr lang="en-GB" dirty="0" err="1"/>
+              <a:t>Při</a:t>
+            </a:r>
+            <a:r>
+              <a:rPr lang="en-GB" dirty="0"/>
+              <a:t> </a:t>
+            </a:r>
+            <a:r>
+              <a:rPr lang="en-GB" dirty="0" err="1"/>
+              <a:t>aktualizaci</a:t>
+            </a:r>
+            <a:r>
+              <a:rPr lang="en-GB" dirty="0"/>
+              <a:t> </a:t>
+            </a:r>
+            <a:r>
+              <a:rPr lang="en-GB" dirty="0" err="1"/>
+              <a:t>autorů</a:t>
+            </a:r>
+            <a:r>
+              <a:rPr lang="en-GB" dirty="0"/>
+              <a:t> </a:t>
+            </a:r>
+            <a:r>
+              <a:rPr lang="en-GB" dirty="0" err="1"/>
+              <a:t>knihy</a:t>
+            </a:r>
+            <a:r>
+              <a:rPr lang="en-GB" dirty="0"/>
+              <a:t> program </a:t>
+            </a:r>
+            <a:r>
+              <a:rPr lang="en-GB" dirty="0" err="1"/>
+              <a:t>nejprve</a:t>
+            </a:r>
+            <a:r>
+              <a:rPr lang="en-GB" dirty="0"/>
+              <a:t> </a:t>
+            </a:r>
+            <a:r>
+              <a:rPr lang="en-GB" dirty="0" err="1"/>
+              <a:t>smaže</a:t>
+            </a:r>
+            <a:r>
+              <a:rPr lang="en-GB" dirty="0"/>
+              <a:t> </a:t>
+            </a:r>
+            <a:r>
+              <a:rPr lang="en-GB" dirty="0" err="1"/>
+              <a:t>existující</a:t>
+            </a:r>
+            <a:r>
+              <a:rPr lang="en-GB" dirty="0"/>
+              <a:t> </a:t>
+            </a:r>
+            <a:r>
+              <a:rPr lang="en-GB" dirty="0" err="1"/>
+              <a:t>autory</a:t>
+            </a:r>
+            <a:r>
+              <a:rPr lang="en-GB" dirty="0"/>
+              <a:t> pro </a:t>
+            </a:r>
+            <a:r>
+              <a:rPr lang="en-GB" dirty="0" err="1"/>
+              <a:t>danou</a:t>
+            </a:r>
+            <a:r>
+              <a:rPr lang="en-GB" dirty="0"/>
+              <a:t> </a:t>
+            </a:r>
+            <a:r>
+              <a:rPr lang="en-GB" dirty="0" err="1"/>
+              <a:t>knihu</a:t>
+            </a:r>
+            <a:r>
+              <a:rPr lang="en-GB" dirty="0"/>
+              <a:t> a </a:t>
+            </a:r>
+            <a:r>
+              <a:rPr lang="en-GB" dirty="0" err="1"/>
+              <a:t>poté</a:t>
+            </a:r>
+            <a:r>
+              <a:rPr lang="en-GB" dirty="0"/>
+              <a:t> </a:t>
+            </a:r>
+            <a:r>
+              <a:rPr lang="en-GB" dirty="0" err="1"/>
+              <a:t>přidá</a:t>
+            </a:r>
+            <a:r>
+              <a:rPr lang="en-GB" dirty="0"/>
+              <a:t> </a:t>
+            </a:r>
+            <a:r>
+              <a:rPr lang="en-GB" dirty="0" err="1"/>
+              <a:t>nové</a:t>
+            </a:r>
+            <a:r>
+              <a:rPr lang="en-GB" dirty="0"/>
+              <a:t> </a:t>
+            </a:r>
+            <a:r>
+              <a:rPr lang="en-GB" dirty="0" err="1"/>
+              <a:t>autory</a:t>
+            </a:r>
+            <a:r>
+              <a:rPr lang="en-GB" dirty="0"/>
+              <a:t>. </a:t>
+            </a:r>
+            <a:endParaRPr lang="cs-CZ" dirty="0"/>
+          </a:p>
+          <a:p>
+            <a:endParaRPr lang="cs-CZ" dirty="0"/>
+          </a:p>
+          <a:p>
+            <a:r>
+              <a:rPr lang="en-GB" u="sng" dirty="0" err="1"/>
+              <a:t>Přidání</a:t>
+            </a:r>
+            <a:r>
+              <a:rPr lang="en-GB" u="sng" dirty="0"/>
+              <a:t> </a:t>
+            </a:r>
+            <a:r>
+              <a:rPr lang="en-GB" u="sng" dirty="0" err="1"/>
+              <a:t>nové</a:t>
+            </a:r>
+            <a:r>
+              <a:rPr lang="en-GB" u="sng" dirty="0"/>
+              <a:t> </a:t>
+            </a:r>
+            <a:r>
+              <a:rPr lang="en-GB" u="sng" dirty="0" err="1"/>
+              <a:t>knihy</a:t>
+            </a:r>
+            <a:r>
+              <a:rPr lang="en-GB" u="sng" dirty="0"/>
+              <a:t>: </a:t>
+            </a:r>
+            <a:endParaRPr lang="cs-CZ" u="sng" dirty="0"/>
+          </a:p>
+          <a:p>
+            <a:r>
+              <a:rPr lang="en-GB" dirty="0" err="1"/>
+              <a:t>Při</a:t>
+            </a:r>
+            <a:r>
+              <a:rPr lang="en-GB" dirty="0"/>
+              <a:t> </a:t>
+            </a:r>
+            <a:r>
+              <a:rPr lang="en-GB" dirty="0" err="1"/>
+              <a:t>přidávání</a:t>
+            </a:r>
+            <a:r>
+              <a:rPr lang="en-GB" dirty="0"/>
+              <a:t> </a:t>
+            </a:r>
+            <a:r>
+              <a:rPr lang="en-GB" dirty="0" err="1"/>
+              <a:t>nové</a:t>
+            </a:r>
+            <a:r>
+              <a:rPr lang="en-GB" dirty="0"/>
+              <a:t> </a:t>
+            </a:r>
+            <a:r>
+              <a:rPr lang="en-GB" dirty="0" err="1"/>
+              <a:t>knihy</a:t>
+            </a:r>
+            <a:r>
+              <a:rPr lang="en-GB" dirty="0"/>
+              <a:t> program </a:t>
+            </a:r>
+            <a:r>
+              <a:rPr lang="en-GB" dirty="0" err="1"/>
+              <a:t>také</a:t>
+            </a:r>
+            <a:r>
+              <a:rPr lang="en-GB" dirty="0"/>
+              <a:t> </a:t>
+            </a:r>
+            <a:r>
+              <a:rPr lang="en-GB" dirty="0" err="1"/>
+              <a:t>vkládá</a:t>
+            </a:r>
+            <a:r>
+              <a:rPr lang="en-GB" dirty="0"/>
+              <a:t> </a:t>
+            </a:r>
+            <a:r>
+              <a:rPr lang="en-GB" dirty="0" err="1"/>
+              <a:t>záznamy</a:t>
+            </a:r>
+            <a:r>
+              <a:rPr lang="en-GB" dirty="0"/>
+              <a:t> do </a:t>
+            </a:r>
+            <a:r>
+              <a:rPr lang="en-GB" dirty="0" err="1"/>
+              <a:t>spojovací</a:t>
+            </a:r>
+            <a:r>
+              <a:rPr lang="en-GB" dirty="0"/>
+              <a:t> </a:t>
+            </a:r>
+            <a:r>
+              <a:rPr lang="en-GB" dirty="0" err="1"/>
+              <a:t>tabulky</a:t>
+            </a:r>
+            <a:r>
+              <a:rPr lang="en-GB" dirty="0"/>
+              <a:t> </a:t>
+            </a:r>
+            <a:r>
+              <a:rPr lang="en-GB" dirty="0" err="1"/>
+              <a:t>kniha_autor</a:t>
+            </a:r>
+            <a:r>
+              <a:rPr lang="en-GB" dirty="0"/>
+              <a:t>, </a:t>
+            </a:r>
+            <a:r>
+              <a:rPr lang="en-GB" dirty="0" err="1"/>
+              <a:t>což</a:t>
+            </a:r>
+            <a:r>
+              <a:rPr lang="en-GB" dirty="0"/>
+              <a:t> </a:t>
+            </a:r>
+            <a:r>
+              <a:rPr lang="en-GB" dirty="0" err="1"/>
+              <a:t>umožňuje</a:t>
+            </a:r>
+            <a:r>
+              <a:rPr lang="en-GB" dirty="0"/>
+              <a:t> </a:t>
+            </a:r>
+            <a:r>
+              <a:rPr lang="en-GB" dirty="0" err="1"/>
+              <a:t>spojit</a:t>
+            </a:r>
+            <a:r>
+              <a:rPr lang="en-GB" dirty="0"/>
+              <a:t> </a:t>
+            </a:r>
+            <a:r>
+              <a:rPr lang="en-GB" dirty="0" err="1"/>
+              <a:t>knihu</a:t>
+            </a:r>
+            <a:r>
+              <a:rPr lang="en-GB" dirty="0"/>
+              <a:t> s </a:t>
+            </a:r>
+            <a:r>
+              <a:rPr lang="en-GB" dirty="0" err="1"/>
+              <a:t>jedním</a:t>
+            </a:r>
+            <a:r>
+              <a:rPr lang="en-GB" dirty="0"/>
+              <a:t> </a:t>
+            </a:r>
+            <a:r>
+              <a:rPr lang="en-GB" dirty="0" err="1"/>
+              <a:t>nebo</a:t>
+            </a:r>
+            <a:r>
+              <a:rPr lang="en-GB" dirty="0"/>
+              <a:t> </a:t>
+            </a:r>
+            <a:r>
+              <a:rPr lang="en-GB" dirty="0" err="1"/>
+              <a:t>více</a:t>
+            </a:r>
+            <a:r>
+              <a:rPr lang="en-GB" dirty="0"/>
+              <a:t> </a:t>
+            </a:r>
+            <a:r>
+              <a:rPr lang="en-GB" dirty="0" err="1"/>
+              <a:t>autory</a:t>
+            </a:r>
+            <a:r>
+              <a:rPr lang="en-GB" dirty="0"/>
+              <a:t>.</a:t>
+            </a:r>
+          </a:p>
+        </p:txBody>
+      </p:sp>
+    </p:spTree>
+    <p:extLst>
+      <p:ext uri="{BB962C8B-B14F-4D97-AF65-F5344CB8AC3E}">
+        <p14:creationId xmlns:p14="http://schemas.microsoft.com/office/powerpoint/2010/main" val="2294611389"/>
+      </p:ext>
+    </p:extLst>
+  </p:cSld>
+  <p:clrMapOvr>
+    <a:masterClrMapping/>
+  </p:clrMapOvr>
+</p:sld>
+</file>
+
+<file path=ppt/slides/slide6.xml><?xml version="1.0" encoding="utf-8"?>
+<p:sld xmlns:a="http://schemas.openxmlformats.org/drawingml/2006/main" xmlns:r="http://schemas.openxmlformats.org/officeDocument/2006/relationships" xmlns:p="http://schemas.openxmlformats.org/presentationml/2006/main">
+  <p:cSld>
+    <p:spTree>
+      <p:nvGrpSpPr>
+        <p:cNvPr id="1" name=""/>
+        <p:cNvGrpSpPr/>
+        <p:nvPr/>
+      </p:nvGrpSpPr>
+      <p:grpSpPr>
+        <a:xfrm>
+          <a:off x="0" y="0"/>
+          <a:ext cx="0" cy="0"/>
+          <a:chOff x="0" y="0"/>
+          <a:chExt cx="0" cy="0"/>
+        </a:xfrm>
+      </p:grpSpPr>
+      <p:sp>
+        <p:nvSpPr>
           <p:cNvPr id="2" name="TextBox 1">
             <a:extLst>
               <a:ext uri="{FF2B5EF4-FFF2-40B4-BE49-F238E27FC236}">
@@ -5320,7 +5076,7 @@
 </p:sld>
 </file>
 
-<file path=ppt/slides/slide6.xml><?xml version="1.0" encoding="utf-8"?>
+<file path=ppt/slides/slide7.xml><?xml version="1.0" encoding="utf-8"?>
 <p:sld xmlns:a="http://schemas.openxmlformats.org/drawingml/2006/main" xmlns:r="http://schemas.openxmlformats.org/officeDocument/2006/relationships" xmlns:p="http://schemas.openxmlformats.org/presentationml/2006/main">
   <p:cSld>
     <p:spTree>
